--- a/pro-pre.pptx
+++ b/pro-pre.pptx
@@ -6,22 +6,18 @@
   </p:sldMasterIdLst>
   <p:sldIdLst>
     <p:sldId id="256" r:id="rId2"/>
-    <p:sldId id="257" r:id="rId3"/>
+    <p:sldId id="274" r:id="rId3"/>
     <p:sldId id="265" r:id="rId4"/>
-    <p:sldId id="263" r:id="rId5"/>
-    <p:sldId id="264" r:id="rId6"/>
-    <p:sldId id="268" r:id="rId7"/>
-    <p:sldId id="269" r:id="rId8"/>
-    <p:sldId id="258" r:id="rId9"/>
-    <p:sldId id="259" r:id="rId10"/>
-    <p:sldId id="271" r:id="rId11"/>
-    <p:sldId id="267" r:id="rId12"/>
-    <p:sldId id="260" r:id="rId13"/>
-    <p:sldId id="261" r:id="rId14"/>
-    <p:sldId id="266" r:id="rId15"/>
-    <p:sldId id="272" r:id="rId16"/>
-    <p:sldId id="273" r:id="rId17"/>
-    <p:sldId id="270" r:id="rId18"/>
+    <p:sldId id="264" r:id="rId5"/>
+    <p:sldId id="268" r:id="rId6"/>
+    <p:sldId id="269" r:id="rId7"/>
+    <p:sldId id="258" r:id="rId8"/>
+    <p:sldId id="259" r:id="rId9"/>
+    <p:sldId id="271" r:id="rId10"/>
+    <p:sldId id="266" r:id="rId11"/>
+    <p:sldId id="272" r:id="rId12"/>
+    <p:sldId id="273" r:id="rId13"/>
+    <p:sldId id="270" r:id="rId14"/>
   </p:sldIdLst>
   <p:sldSz cx="12192000" cy="6858000"/>
   <p:notesSz cx="6858000" cy="9144000"/>
@@ -120,6 +116,11 @@
       </a:defRPr>
     </a:lvl9pPr>
   </p:defaultTextStyle>
+  <p:extLst>
+    <p:ext uri="{EFAFB233-063F-42B5-8137-9DF3F51BA10A}">
+      <p15:sldGuideLst xmlns:p15="http://schemas.microsoft.com/office/powerpoint/2012/main"/>
+    </p:ext>
+  </p:extLst>
 </p:presentation>
 </file>
 
@@ -315,7 +316,7 @@
             <a:fld id="{B61BEF0D-F0BB-DE4B-95CE-6DB70DBA9567}" type="datetimeFigureOut">
               <a:rPr lang="en-US" dirty="0"/>
               <a:pPr/>
-              <a:t>6/19/2017</a:t>
+              <a:t>8/30/2017</a:t>
             </a:fld>
             <a:endParaRPr lang="en-US" dirty="0"/>
           </a:p>
@@ -748,7 +749,7 @@
             <a:fld id="{B61BEF0D-F0BB-DE4B-95CE-6DB70DBA9567}" type="datetimeFigureOut">
               <a:rPr lang="en-US" dirty="0"/>
               <a:pPr/>
-              <a:t>6/19/2017</a:t>
+              <a:t>8/30/2017</a:t>
             </a:fld>
             <a:endParaRPr lang="en-US" dirty="0"/>
           </a:p>
@@ -995,7 +996,7 @@
             <a:fld id="{B61BEF0D-F0BB-DE4B-95CE-6DB70DBA9567}" type="datetimeFigureOut">
               <a:rPr lang="en-US" dirty="0"/>
               <a:pPr/>
-              <a:t>6/19/2017</a:t>
+              <a:t>8/30/2017</a:t>
             </a:fld>
             <a:endParaRPr lang="en-US" dirty="0"/>
           </a:p>
@@ -1300,7 +1301,7 @@
             <a:fld id="{B61BEF0D-F0BB-DE4B-95CE-6DB70DBA9567}" type="datetimeFigureOut">
               <a:rPr lang="en-US" dirty="0"/>
               <a:pPr/>
-              <a:t>6/19/2017</a:t>
+              <a:t>8/30/2017</a:t>
             </a:fld>
             <a:endParaRPr lang="en-US" dirty="0"/>
           </a:p>
@@ -1615,7 +1616,7 @@
             <a:fld id="{B61BEF0D-F0BB-DE4B-95CE-6DB70DBA9567}" type="datetimeFigureOut">
               <a:rPr lang="en-US" dirty="0"/>
               <a:pPr/>
-              <a:t>6/19/2017</a:t>
+              <a:t>8/30/2017</a:t>
             </a:fld>
             <a:endParaRPr lang="en-US" dirty="0"/>
           </a:p>
@@ -1914,7 +1915,7 @@
             <a:fld id="{B61BEF0D-F0BB-DE4B-95CE-6DB70DBA9567}" type="datetimeFigureOut">
               <a:rPr lang="en-US" dirty="0"/>
               <a:pPr/>
-              <a:t>6/19/2017</a:t>
+              <a:t>8/30/2017</a:t>
             </a:fld>
             <a:endParaRPr lang="en-US" dirty="0"/>
           </a:p>
@@ -2278,7 +2279,7 @@
             <a:fld id="{B61BEF0D-F0BB-DE4B-95CE-6DB70DBA9567}" type="datetimeFigureOut">
               <a:rPr lang="en-US" dirty="0"/>
               <a:pPr/>
-              <a:t>6/19/2017</a:t>
+              <a:t>8/30/2017</a:t>
             </a:fld>
             <a:endParaRPr lang="en-US" dirty="0"/>
           </a:p>
@@ -2449,7 +2450,7 @@
             <a:fld id="{B61BEF0D-F0BB-DE4B-95CE-6DB70DBA9567}" type="datetimeFigureOut">
               <a:rPr lang="en-US" dirty="0"/>
               <a:pPr/>
-              <a:t>6/19/2017</a:t>
+              <a:t>8/30/2017</a:t>
             </a:fld>
             <a:endParaRPr lang="en-US" dirty="0"/>
           </a:p>
@@ -2626,7 +2627,7 @@
             <a:fld id="{B61BEF0D-F0BB-DE4B-95CE-6DB70DBA9567}" type="datetimeFigureOut">
               <a:rPr lang="en-US" dirty="0"/>
               <a:pPr/>
-              <a:t>6/19/2017</a:t>
+              <a:t>8/30/2017</a:t>
             </a:fld>
             <a:endParaRPr lang="en-US" dirty="0"/>
           </a:p>
@@ -2793,7 +2794,7 @@
             <a:fld id="{B61BEF0D-F0BB-DE4B-95CE-6DB70DBA9567}" type="datetimeFigureOut">
               <a:rPr lang="en-US" dirty="0"/>
               <a:pPr/>
-              <a:t>6/19/2017</a:t>
+              <a:t>8/30/2017</a:t>
             </a:fld>
             <a:endParaRPr lang="en-US" dirty="0"/>
           </a:p>
@@ -3040,7 +3041,7 @@
             <a:fld id="{B61BEF0D-F0BB-DE4B-95CE-6DB70DBA9567}" type="datetimeFigureOut">
               <a:rPr lang="en-US" dirty="0"/>
               <a:pPr/>
-              <a:t>6/19/2017</a:t>
+              <a:t>8/30/2017</a:t>
             </a:fld>
             <a:endParaRPr lang="en-US" dirty="0"/>
           </a:p>
@@ -3273,7 +3274,7 @@
             <a:fld id="{B61BEF0D-F0BB-DE4B-95CE-6DB70DBA9567}" type="datetimeFigureOut">
               <a:rPr lang="en-US" dirty="0"/>
               <a:pPr/>
-              <a:t>6/19/2017</a:t>
+              <a:t>8/30/2017</a:t>
             </a:fld>
             <a:endParaRPr lang="en-US" dirty="0"/>
           </a:p>
@@ -3652,7 +3653,7 @@
             <a:fld id="{B61BEF0D-F0BB-DE4B-95CE-6DB70DBA9567}" type="datetimeFigureOut">
               <a:rPr lang="en-US" dirty="0"/>
               <a:pPr/>
-              <a:t>6/19/2017</a:t>
+              <a:t>8/30/2017</a:t>
             </a:fld>
             <a:endParaRPr lang="en-US" dirty="0"/>
           </a:p>
@@ -3767,7 +3768,7 @@
             <a:fld id="{B61BEF0D-F0BB-DE4B-95CE-6DB70DBA9567}" type="datetimeFigureOut">
               <a:rPr lang="en-US" dirty="0"/>
               <a:pPr/>
-              <a:t>6/19/2017</a:t>
+              <a:t>8/30/2017</a:t>
             </a:fld>
             <a:endParaRPr lang="en-US" dirty="0"/>
           </a:p>
@@ -3859,7 +3860,7 @@
             <a:fld id="{B61BEF0D-F0BB-DE4B-95CE-6DB70DBA9567}" type="datetimeFigureOut">
               <a:rPr lang="en-US" dirty="0"/>
               <a:pPr/>
-              <a:t>6/19/2017</a:t>
+              <a:t>8/30/2017</a:t>
             </a:fld>
             <a:endParaRPr lang="en-US" dirty="0"/>
           </a:p>
@@ -4111,7 +4112,7 @@
             <a:fld id="{B61BEF0D-F0BB-DE4B-95CE-6DB70DBA9567}" type="datetimeFigureOut">
               <a:rPr lang="en-US" dirty="0"/>
               <a:pPr/>
-              <a:t>6/19/2017</a:t>
+              <a:t>8/30/2017</a:t>
             </a:fld>
             <a:endParaRPr lang="en-US" dirty="0"/>
           </a:p>
@@ -4391,7 +4392,7 @@
             <a:fld id="{B61BEF0D-F0BB-DE4B-95CE-6DB70DBA9567}" type="datetimeFigureOut">
               <a:rPr lang="en-US" dirty="0"/>
               <a:pPr/>
-              <a:t>6/19/2017</a:t>
+              <a:t>8/30/2017</a:t>
             </a:fld>
             <a:endParaRPr lang="en-US" dirty="0"/>
           </a:p>
@@ -4794,7 +4795,7 @@
             <a:fld id="{B61BEF0D-F0BB-DE4B-95CE-6DB70DBA9567}" type="datetimeFigureOut">
               <a:rPr lang="en-US" dirty="0"/>
               <a:pPr/>
-              <a:t>6/19/2017</a:t>
+              <a:t>8/30/2017</a:t>
             </a:fld>
             <a:endParaRPr lang="en-US" dirty="0"/>
           </a:p>
@@ -5347,7 +5348,7 @@
           <a:p>
             <a:r>
               <a:rPr lang="en-US" dirty="0" smtClean="0"/>
-              <a:t>HOSPITAL MANAGEMENT SYSTEM</a:t>
+              <a:t>PATIENT RECORD MANAGEMENT SYSTEM</a:t>
             </a:r>
             <a:endParaRPr lang="en-US" dirty="0"/>
           </a:p>
@@ -5365,14 +5366,16 @@
         </p:nvSpPr>
         <p:spPr/>
         <p:txBody>
-          <a:bodyPr/>
-          <a:lstStyle/>
-          <a:p>
-            <a:r>
-              <a:rPr lang="en-US" dirty="0" smtClean="0"/>
+          <a:bodyPr>
+            <a:normAutofit/>
+          </a:bodyPr>
+          <a:lstStyle/>
+          <a:p>
+            <a:r>
+              <a:rPr lang="en-US" sz="3200" dirty="0" smtClean="0"/>
               <a:t>Bingham University as  case study</a:t>
             </a:r>
-            <a:endParaRPr lang="en-US" dirty="0"/>
+            <a:endParaRPr lang="en-US" sz="3200" dirty="0"/>
           </a:p>
         </p:txBody>
       </p:sp>
@@ -5425,646 +5428,104 @@
         </p:nvSpPr>
         <p:spPr>
           <a:xfrm>
-            <a:off x="1809627" y="323557"/>
-            <a:ext cx="8001000" cy="801858"/>
+            <a:off x="796753" y="376310"/>
+            <a:ext cx="8001000" cy="931985"/>
+          </a:xfrm>
+        </p:spPr>
+        <p:txBody>
+          <a:bodyPr/>
+          <a:lstStyle/>
+          <a:p>
+            <a:r>
+              <a:rPr lang="en-US" dirty="0" smtClean="0"/>
+              <a:t>TECHNOLOGIES USED</a:t>
+            </a:r>
+            <a:endParaRPr lang="en-US" dirty="0"/>
+          </a:p>
+        </p:txBody>
+      </p:sp>
+      <p:sp>
+        <p:nvSpPr>
+          <p:cNvPr id="3" name="Subtitle 2"/>
+          <p:cNvSpPr>
+            <a:spLocks noGrp="1"/>
+          </p:cNvSpPr>
+          <p:nvPr>
+            <p:ph type="subTitle" idx="1"/>
+          </p:nvPr>
+        </p:nvSpPr>
+        <p:spPr>
+          <a:xfrm>
+            <a:off x="684211" y="1308295"/>
+            <a:ext cx="8501991" cy="4684541"/>
           </a:xfrm>
         </p:spPr>
         <p:txBody>
           <a:bodyPr>
-            <a:normAutofit fontScale="90000"/>
+            <a:normAutofit/>
           </a:bodyPr>
           <a:lstStyle/>
           <a:p>
             <a:r>
               <a:rPr lang="en-US" dirty="0" smtClean="0"/>
-              <a:t>APPLICATION MODULES </a:t>
-            </a:r>
-            <a:endParaRPr lang="en-US" dirty="0"/>
-          </a:p>
-        </p:txBody>
-      </p:sp>
-      <p:sp>
-        <p:nvSpPr>
-          <p:cNvPr id="4" name="Oval 3"/>
-          <p:cNvSpPr/>
-          <p:nvPr/>
-        </p:nvSpPr>
-        <p:spPr>
-          <a:xfrm>
-            <a:off x="3981157" y="2954215"/>
-            <a:ext cx="2419644" cy="1111348"/>
-          </a:xfrm>
-          <a:prstGeom prst="ellipse">
-            <a:avLst/>
-          </a:prstGeom>
-        </p:spPr>
-        <p:style>
-          <a:lnRef idx="2">
-            <a:schemeClr val="accent1">
-              <a:shade val="50000"/>
-            </a:schemeClr>
-          </a:lnRef>
-          <a:fillRef idx="1">
-            <a:schemeClr val="accent1"/>
-          </a:fillRef>
-          <a:effectRef idx="0">
-            <a:schemeClr val="accent1"/>
-          </a:effectRef>
-          <a:fontRef idx="minor">
-            <a:schemeClr val="lt1"/>
-          </a:fontRef>
-        </p:style>
-        <p:txBody>
-          <a:bodyPr rtlCol="0" anchor="ctr"/>
-          <a:lstStyle/>
-          <a:p>
-            <a:pPr algn="ctr"/>
-            <a:r>
-              <a:rPr lang="en-US" dirty="0" smtClean="0"/>
-              <a:t>ADMIN</a:t>
-            </a:r>
-            <a:endParaRPr lang="en-US" dirty="0"/>
-          </a:p>
-        </p:txBody>
-      </p:sp>
-      <p:cxnSp>
-        <p:nvCxnSpPr>
-          <p:cNvPr id="6" name="Straight Connector 5"/>
-          <p:cNvCxnSpPr>
-            <a:stCxn id="7" idx="2"/>
-          </p:cNvCxnSpPr>
-          <p:nvPr/>
-        </p:nvCxnSpPr>
-        <p:spPr>
-          <a:xfrm>
-            <a:off x="2060917" y="2539218"/>
-            <a:ext cx="0" cy="970671"/>
-          </a:xfrm>
-          <a:prstGeom prst="line">
-            <a:avLst/>
-          </a:prstGeom>
-          <a:ln>
-            <a:solidFill>
-              <a:schemeClr val="bg1">
-                <a:alpha val="60000"/>
-              </a:schemeClr>
-            </a:solidFill>
-          </a:ln>
-        </p:spPr>
-        <p:style>
-          <a:lnRef idx="1">
-            <a:schemeClr val="accent1"/>
-          </a:lnRef>
-          <a:fillRef idx="0">
-            <a:schemeClr val="accent1"/>
-          </a:fillRef>
-          <a:effectRef idx="0">
-            <a:schemeClr val="accent1"/>
-          </a:effectRef>
-          <a:fontRef idx="minor">
-            <a:schemeClr val="tx1"/>
-          </a:fontRef>
-        </p:style>
-      </p:cxnSp>
-      <p:sp>
-        <p:nvSpPr>
-          <p:cNvPr id="7" name="Rectangle 6"/>
-          <p:cNvSpPr/>
-          <p:nvPr/>
-        </p:nvSpPr>
-        <p:spPr>
-          <a:xfrm>
-            <a:off x="872197" y="1540412"/>
-            <a:ext cx="2377440" cy="998806"/>
-          </a:xfrm>
-          <a:prstGeom prst="rect">
-            <a:avLst/>
-          </a:prstGeom>
-        </p:spPr>
-        <p:style>
-          <a:lnRef idx="2">
-            <a:schemeClr val="accent1">
-              <a:shade val="50000"/>
-            </a:schemeClr>
-          </a:lnRef>
-          <a:fillRef idx="1">
-            <a:schemeClr val="accent1"/>
-          </a:fillRef>
-          <a:effectRef idx="0">
-            <a:schemeClr val="accent1"/>
-          </a:effectRef>
-          <a:fontRef idx="minor">
-            <a:schemeClr val="lt1"/>
-          </a:fontRef>
-        </p:style>
-        <p:txBody>
-          <a:bodyPr rtlCol="0" anchor="ctr"/>
-          <a:lstStyle/>
-          <a:p>
-            <a:pPr algn="ctr"/>
-            <a:r>
-              <a:rPr lang="en-US" dirty="0" smtClean="0"/>
-              <a:t>DASHBOARD</a:t>
-            </a:r>
-            <a:endParaRPr lang="en-US" dirty="0"/>
-          </a:p>
-        </p:txBody>
-      </p:sp>
-      <p:sp>
-        <p:nvSpPr>
-          <p:cNvPr id="8" name="Rectangle 7"/>
-          <p:cNvSpPr/>
-          <p:nvPr/>
-        </p:nvSpPr>
-        <p:spPr>
-          <a:xfrm>
-            <a:off x="848751" y="4717365"/>
-            <a:ext cx="2377440" cy="998806"/>
-          </a:xfrm>
-          <a:prstGeom prst="rect">
-            <a:avLst/>
-          </a:prstGeom>
-        </p:spPr>
-        <p:style>
-          <a:lnRef idx="2">
-            <a:schemeClr val="accent1">
-              <a:shade val="50000"/>
-            </a:schemeClr>
-          </a:lnRef>
-          <a:fillRef idx="1">
-            <a:schemeClr val="accent1"/>
-          </a:fillRef>
-          <a:effectRef idx="0">
-            <a:schemeClr val="accent1"/>
-          </a:effectRef>
-          <a:fontRef idx="minor">
-            <a:schemeClr val="lt1"/>
-          </a:fontRef>
-        </p:style>
-        <p:txBody>
-          <a:bodyPr rtlCol="0" anchor="ctr"/>
-          <a:lstStyle/>
-          <a:p>
-            <a:pPr algn="ctr"/>
-            <a:r>
-              <a:rPr lang="en-US" dirty="0" smtClean="0"/>
-              <a:t>LOGS</a:t>
-            </a:r>
-            <a:endParaRPr lang="en-US" dirty="0"/>
-          </a:p>
-        </p:txBody>
-      </p:sp>
-      <p:sp>
-        <p:nvSpPr>
-          <p:cNvPr id="9" name="Rectangle 8"/>
-          <p:cNvSpPr/>
-          <p:nvPr/>
-        </p:nvSpPr>
-        <p:spPr>
-          <a:xfrm>
-            <a:off x="4023361" y="1540412"/>
-            <a:ext cx="2377440" cy="998806"/>
-          </a:xfrm>
-          <a:prstGeom prst="rect">
-            <a:avLst/>
-          </a:prstGeom>
-        </p:spPr>
-        <p:style>
-          <a:lnRef idx="2">
-            <a:schemeClr val="accent1">
-              <a:shade val="50000"/>
-            </a:schemeClr>
-          </a:lnRef>
-          <a:fillRef idx="1">
-            <a:schemeClr val="accent1"/>
-          </a:fillRef>
-          <a:effectRef idx="0">
-            <a:schemeClr val="accent1"/>
-          </a:effectRef>
-          <a:fontRef idx="minor">
-            <a:schemeClr val="lt1"/>
-          </a:fontRef>
-        </p:style>
-        <p:txBody>
-          <a:bodyPr rtlCol="0" anchor="ctr"/>
-          <a:lstStyle/>
-          <a:p>
-            <a:pPr algn="ctr"/>
-            <a:r>
-              <a:rPr lang="en-US" dirty="0" smtClean="0"/>
-              <a:t>REGISTRATION</a:t>
-            </a:r>
-            <a:endParaRPr lang="en-US" dirty="0"/>
-          </a:p>
-        </p:txBody>
-      </p:sp>
-      <p:sp>
-        <p:nvSpPr>
-          <p:cNvPr id="10" name="Rectangle 9"/>
-          <p:cNvSpPr/>
-          <p:nvPr/>
-        </p:nvSpPr>
-        <p:spPr>
-          <a:xfrm>
-            <a:off x="4023361" y="4717365"/>
-            <a:ext cx="2377440" cy="998806"/>
-          </a:xfrm>
-          <a:prstGeom prst="rect">
-            <a:avLst/>
-          </a:prstGeom>
-        </p:spPr>
-        <p:style>
-          <a:lnRef idx="2">
-            <a:schemeClr val="accent1">
-              <a:shade val="50000"/>
-            </a:schemeClr>
-          </a:lnRef>
-          <a:fillRef idx="1">
-            <a:schemeClr val="accent1"/>
-          </a:fillRef>
-          <a:effectRef idx="0">
-            <a:schemeClr val="accent1"/>
-          </a:effectRef>
-          <a:fontRef idx="minor">
-            <a:schemeClr val="lt1"/>
-          </a:fontRef>
-        </p:style>
-        <p:txBody>
-          <a:bodyPr rtlCol="0" anchor="ctr"/>
-          <a:lstStyle/>
-          <a:p>
-            <a:pPr algn="ctr"/>
-            <a:r>
-              <a:rPr lang="en-US" dirty="0" smtClean="0"/>
-              <a:t>PATIENTS</a:t>
-            </a:r>
-            <a:endParaRPr lang="en-US" dirty="0"/>
-          </a:p>
-        </p:txBody>
-      </p:sp>
-      <p:sp>
-        <p:nvSpPr>
-          <p:cNvPr id="11" name="Rectangle 10"/>
-          <p:cNvSpPr/>
-          <p:nvPr/>
-        </p:nvSpPr>
-        <p:spPr>
-          <a:xfrm>
-            <a:off x="7433187" y="1540412"/>
-            <a:ext cx="2377440" cy="998806"/>
-          </a:xfrm>
-          <a:prstGeom prst="rect">
-            <a:avLst/>
-          </a:prstGeom>
-        </p:spPr>
-        <p:style>
-          <a:lnRef idx="2">
-            <a:schemeClr val="accent1">
-              <a:shade val="50000"/>
-            </a:schemeClr>
-          </a:lnRef>
-          <a:fillRef idx="1">
-            <a:schemeClr val="accent1"/>
-          </a:fillRef>
-          <a:effectRef idx="0">
-            <a:schemeClr val="accent1"/>
-          </a:effectRef>
-          <a:fontRef idx="minor">
-            <a:schemeClr val="lt1"/>
-          </a:fontRef>
-        </p:style>
-        <p:txBody>
-          <a:bodyPr rtlCol="0" anchor="ctr"/>
-          <a:lstStyle/>
-          <a:p>
-            <a:pPr algn="ctr"/>
-            <a:r>
-              <a:rPr lang="en-US" dirty="0" smtClean="0"/>
-              <a:t>ADMISSIONS</a:t>
-            </a:r>
-            <a:endParaRPr lang="en-US" dirty="0"/>
-          </a:p>
-        </p:txBody>
-      </p:sp>
-      <p:cxnSp>
-        <p:nvCxnSpPr>
-          <p:cNvPr id="12" name="Straight Connector 11"/>
-          <p:cNvCxnSpPr>
-            <a:endCxn id="4" idx="2"/>
-          </p:cNvCxnSpPr>
-          <p:nvPr/>
-        </p:nvCxnSpPr>
-        <p:spPr>
-          <a:xfrm>
-            <a:off x="2060917" y="3509889"/>
-            <a:ext cx="1920240" cy="0"/>
-          </a:xfrm>
-          <a:prstGeom prst="line">
-            <a:avLst/>
-          </a:prstGeom>
-          <a:ln>
-            <a:solidFill>
-              <a:schemeClr val="bg1">
-                <a:alpha val="60000"/>
-              </a:schemeClr>
-            </a:solidFill>
-          </a:ln>
-        </p:spPr>
-        <p:style>
-          <a:lnRef idx="1">
-            <a:schemeClr val="accent1"/>
-          </a:lnRef>
-          <a:fillRef idx="0">
-            <a:schemeClr val="accent1"/>
-          </a:fillRef>
-          <a:effectRef idx="0">
-            <a:schemeClr val="accent1"/>
-          </a:effectRef>
-          <a:fontRef idx="minor">
-            <a:schemeClr val="tx1"/>
-          </a:fontRef>
-        </p:style>
-      </p:cxnSp>
-      <p:cxnSp>
-        <p:nvCxnSpPr>
-          <p:cNvPr id="21" name="Straight Connector 20"/>
-          <p:cNvCxnSpPr>
-            <a:endCxn id="8" idx="0"/>
-          </p:cNvCxnSpPr>
-          <p:nvPr/>
-        </p:nvCxnSpPr>
-        <p:spPr>
-          <a:xfrm flipH="1">
-            <a:off x="2037471" y="3538024"/>
-            <a:ext cx="23445" cy="1179341"/>
-          </a:xfrm>
-          <a:prstGeom prst="line">
-            <a:avLst/>
-          </a:prstGeom>
-          <a:ln>
-            <a:solidFill>
-              <a:schemeClr val="bg1">
-                <a:alpha val="60000"/>
-              </a:schemeClr>
-            </a:solidFill>
-          </a:ln>
-        </p:spPr>
-        <p:style>
-          <a:lnRef idx="1">
-            <a:schemeClr val="accent1"/>
-          </a:lnRef>
-          <a:fillRef idx="0">
-            <a:schemeClr val="accent1"/>
-          </a:fillRef>
-          <a:effectRef idx="0">
-            <a:schemeClr val="accent1"/>
-          </a:effectRef>
-          <a:fontRef idx="minor">
-            <a:schemeClr val="tx1"/>
-          </a:fontRef>
-        </p:style>
-      </p:cxnSp>
-      <p:cxnSp>
-        <p:nvCxnSpPr>
-          <p:cNvPr id="25" name="Straight Connector 24"/>
-          <p:cNvCxnSpPr/>
-          <p:nvPr/>
-        </p:nvCxnSpPr>
-        <p:spPr>
-          <a:xfrm>
-            <a:off x="6400801" y="3468859"/>
-            <a:ext cx="2221106" cy="28134"/>
-          </a:xfrm>
-          <a:prstGeom prst="line">
-            <a:avLst/>
-          </a:prstGeom>
-          <a:ln>
-            <a:solidFill>
-              <a:schemeClr val="bg1">
-                <a:alpha val="60000"/>
-              </a:schemeClr>
-            </a:solidFill>
-          </a:ln>
-        </p:spPr>
-        <p:style>
-          <a:lnRef idx="1">
-            <a:schemeClr val="accent1"/>
-          </a:lnRef>
-          <a:fillRef idx="0">
-            <a:schemeClr val="accent1"/>
-          </a:fillRef>
-          <a:effectRef idx="0">
-            <a:schemeClr val="accent1"/>
-          </a:effectRef>
-          <a:fontRef idx="minor">
-            <a:schemeClr val="tx1"/>
-          </a:fontRef>
-        </p:style>
-      </p:cxnSp>
-      <p:cxnSp>
-        <p:nvCxnSpPr>
-          <p:cNvPr id="26" name="Straight Connector 25"/>
-          <p:cNvCxnSpPr>
-            <a:endCxn id="11" idx="2"/>
-          </p:cNvCxnSpPr>
-          <p:nvPr/>
-        </p:nvCxnSpPr>
-        <p:spPr>
-          <a:xfrm flipV="1">
-            <a:off x="8621907" y="2539218"/>
-            <a:ext cx="0" cy="998806"/>
-          </a:xfrm>
-          <a:prstGeom prst="line">
-            <a:avLst/>
-          </a:prstGeom>
-          <a:ln>
-            <a:solidFill>
-              <a:schemeClr val="bg1">
-                <a:alpha val="60000"/>
-              </a:schemeClr>
-            </a:solidFill>
-          </a:ln>
-        </p:spPr>
-        <p:style>
-          <a:lnRef idx="1">
-            <a:schemeClr val="accent1"/>
-          </a:lnRef>
-          <a:fillRef idx="0">
-            <a:schemeClr val="accent1"/>
-          </a:fillRef>
-          <a:effectRef idx="0">
-            <a:schemeClr val="accent1"/>
-          </a:effectRef>
-          <a:fontRef idx="minor">
-            <a:schemeClr val="tx1"/>
-          </a:fontRef>
-        </p:style>
-      </p:cxnSp>
-      <p:cxnSp>
-        <p:nvCxnSpPr>
-          <p:cNvPr id="31" name="Straight Connector 30"/>
-          <p:cNvCxnSpPr>
-            <a:stCxn id="4" idx="4"/>
-            <a:endCxn id="10" idx="0"/>
-          </p:cNvCxnSpPr>
-          <p:nvPr/>
-        </p:nvCxnSpPr>
-        <p:spPr>
-          <a:xfrm>
-            <a:off x="5190979" y="4065563"/>
-            <a:ext cx="21102" cy="651802"/>
-          </a:xfrm>
-          <a:prstGeom prst="line">
-            <a:avLst/>
-          </a:prstGeom>
-          <a:ln>
-            <a:solidFill>
-              <a:schemeClr val="bg1">
-                <a:alpha val="60000"/>
-              </a:schemeClr>
-            </a:solidFill>
-          </a:ln>
-        </p:spPr>
-        <p:style>
-          <a:lnRef idx="1">
-            <a:schemeClr val="accent1"/>
-          </a:lnRef>
-          <a:fillRef idx="0">
-            <a:schemeClr val="accent1"/>
-          </a:fillRef>
-          <a:effectRef idx="0">
-            <a:schemeClr val="accent1"/>
-          </a:effectRef>
-          <a:fontRef idx="minor">
-            <a:schemeClr val="tx1"/>
-          </a:fontRef>
-        </p:style>
-      </p:cxnSp>
-      <p:cxnSp>
-        <p:nvCxnSpPr>
-          <p:cNvPr id="34" name="Straight Connector 33"/>
-          <p:cNvCxnSpPr>
-            <a:stCxn id="9" idx="2"/>
-            <a:endCxn id="4" idx="0"/>
-          </p:cNvCxnSpPr>
-          <p:nvPr/>
-        </p:nvCxnSpPr>
-        <p:spPr>
-          <a:xfrm flipH="1">
-            <a:off x="5190979" y="2539218"/>
-            <a:ext cx="21102" cy="414997"/>
-          </a:xfrm>
-          <a:prstGeom prst="line">
-            <a:avLst/>
-          </a:prstGeom>
-          <a:ln>
-            <a:solidFill>
-              <a:schemeClr val="bg1">
-                <a:alpha val="60000"/>
-              </a:schemeClr>
-            </a:solidFill>
-          </a:ln>
-        </p:spPr>
-        <p:style>
-          <a:lnRef idx="1">
-            <a:schemeClr val="accent1"/>
-          </a:lnRef>
-          <a:fillRef idx="0">
-            <a:schemeClr val="accent1"/>
-          </a:fillRef>
-          <a:effectRef idx="0">
-            <a:schemeClr val="accent1"/>
-          </a:effectRef>
-          <a:fontRef idx="minor">
-            <a:schemeClr val="tx1"/>
-          </a:fontRef>
-        </p:style>
-      </p:cxnSp>
-      <p:sp>
-        <p:nvSpPr>
-          <p:cNvPr id="40" name="Rectangle 39"/>
-          <p:cNvSpPr/>
-          <p:nvPr/>
-        </p:nvSpPr>
-        <p:spPr>
-          <a:xfrm>
-            <a:off x="7610623" y="4717365"/>
-            <a:ext cx="2377440" cy="998806"/>
-          </a:xfrm>
-          <a:prstGeom prst="rect">
-            <a:avLst/>
-          </a:prstGeom>
-        </p:spPr>
-        <p:style>
-          <a:lnRef idx="2">
-            <a:schemeClr val="accent1">
-              <a:shade val="50000"/>
-            </a:schemeClr>
-          </a:lnRef>
-          <a:fillRef idx="1">
-            <a:schemeClr val="accent1"/>
-          </a:fillRef>
-          <a:effectRef idx="0">
-            <a:schemeClr val="accent1"/>
-          </a:effectRef>
-          <a:fontRef idx="minor">
-            <a:schemeClr val="lt1"/>
-          </a:fontRef>
-        </p:style>
-        <p:txBody>
-          <a:bodyPr rtlCol="0" anchor="ctr"/>
-          <a:lstStyle/>
-          <a:p>
-            <a:pPr algn="ctr"/>
-            <a:r>
-              <a:rPr lang="en-US" dirty="0" smtClean="0"/>
-              <a:t>CHAT</a:t>
-            </a:r>
-            <a:endParaRPr lang="en-US" dirty="0"/>
-          </a:p>
-        </p:txBody>
-      </p:sp>
-      <p:cxnSp>
-        <p:nvCxnSpPr>
-          <p:cNvPr id="41" name="Straight Connector 40"/>
-          <p:cNvCxnSpPr/>
-          <p:nvPr/>
-        </p:nvCxnSpPr>
-        <p:spPr>
-          <a:xfrm flipV="1">
-            <a:off x="8621907" y="3538024"/>
-            <a:ext cx="0" cy="1176286"/>
-          </a:xfrm>
-          <a:prstGeom prst="line">
-            <a:avLst/>
-          </a:prstGeom>
-          <a:ln>
-            <a:solidFill>
-              <a:schemeClr val="bg1">
-                <a:alpha val="60000"/>
-              </a:schemeClr>
-            </a:solidFill>
-          </a:ln>
-        </p:spPr>
-        <p:style>
-          <a:lnRef idx="1">
-            <a:schemeClr val="accent1"/>
-          </a:lnRef>
-          <a:fillRef idx="0">
-            <a:schemeClr val="accent1"/>
-          </a:fillRef>
-          <a:effectRef idx="0">
-            <a:schemeClr val="accent1"/>
-          </a:effectRef>
-          <a:fontRef idx="minor">
-            <a:schemeClr val="tx1"/>
-          </a:fontRef>
-        </p:style>
-      </p:cxnSp>
+              <a:t>	</a:t>
+            </a:r>
+            <a:r>
+              <a:rPr lang="en-US" sz="2800" b="1" dirty="0" smtClean="0"/>
+              <a:t>CLIENT SIDE</a:t>
+            </a:r>
+            <a:r>
+              <a:rPr lang="en-US" sz="2800" b="1" dirty="0" smtClean="0"/>
+              <a:t> </a:t>
+            </a:r>
+            <a:endParaRPr lang="en-US" sz="2800" b="1" dirty="0" smtClean="0"/>
+          </a:p>
+          <a:p>
+            <a:pPr marL="342900" indent="-342900">
+              <a:buFont typeface="Wingdings" panose="05000000000000000000" pitchFamily="2" charset="2"/>
+              <a:buChar char="q"/>
+            </a:pPr>
+            <a:r>
+              <a:rPr lang="en-US" sz="3600" dirty="0" smtClean="0"/>
+              <a:t>JADE</a:t>
+            </a:r>
+          </a:p>
+          <a:p>
+            <a:pPr marL="342900" indent="-342900">
+              <a:buFont typeface="Wingdings" panose="05000000000000000000" pitchFamily="2" charset="2"/>
+              <a:buChar char="q"/>
+            </a:pPr>
+            <a:r>
+              <a:rPr lang="en-US" sz="3600" dirty="0" smtClean="0"/>
+              <a:t>CSS</a:t>
+            </a:r>
+          </a:p>
+          <a:p>
+            <a:pPr marL="342900" indent="-342900">
+              <a:buFont typeface="Wingdings" panose="05000000000000000000" pitchFamily="2" charset="2"/>
+              <a:buChar char="q"/>
+            </a:pPr>
+            <a:r>
+              <a:rPr lang="en-US" sz="3600" dirty="0" smtClean="0"/>
+              <a:t>JAVASCRIPT</a:t>
+            </a:r>
+          </a:p>
+          <a:p>
+            <a:pPr marL="342900" indent="-342900">
+              <a:buFont typeface="Wingdings" panose="05000000000000000000" pitchFamily="2" charset="2"/>
+              <a:buChar char="q"/>
+            </a:pPr>
+            <a:r>
+              <a:rPr lang="en-US" sz="3600" dirty="0" smtClean="0"/>
+              <a:t>ANGULAR JS</a:t>
+            </a:r>
+          </a:p>
+        </p:txBody>
+      </p:sp>
     </p:spTree>
     <p:extLst>
       <p:ext uri="{BB962C8B-B14F-4D97-AF65-F5344CB8AC3E}">
-        <p14:creationId xmlns:p14="http://schemas.microsoft.com/office/powerpoint/2010/main" val="3056126952"/>
+        <p14:creationId xmlns:p14="http://schemas.microsoft.com/office/powerpoint/2010/main" val="1827556510"/>
       </p:ext>
     </p:extLst>
   </p:cSld>
@@ -6100,7 +5561,7 @@
       </p:grpSpPr>
       <p:sp>
         <p:nvSpPr>
-          <p:cNvPr id="2" name="Title 1"/>
+          <p:cNvPr id="5" name="Title 1"/>
           <p:cNvSpPr>
             <a:spLocks noGrp="1"/>
           </p:cNvSpPr>
@@ -6110,8 +5571,8 @@
         </p:nvSpPr>
         <p:spPr>
           <a:xfrm>
-            <a:off x="4170384" y="451779"/>
-            <a:ext cx="3987846" cy="946053"/>
+            <a:off x="796753" y="376310"/>
+            <a:ext cx="8001000" cy="931985"/>
           </a:xfrm>
         </p:spPr>
         <p:txBody>
@@ -6120,1516 +5581,101 @@
           <a:p>
             <a:r>
               <a:rPr lang="en-US" dirty="0" smtClean="0"/>
-              <a:t>Use case</a:t>
-            </a:r>
-            <a:endParaRPr lang="en-US" dirty="0"/>
-          </a:p>
-        </p:txBody>
-      </p:sp>
-      <p:pic>
-        <p:nvPicPr>
-          <p:cNvPr id="4" name="Picture 3"/>
-          <p:cNvPicPr>
-            <a:picLocks noChangeAspect="1"/>
-          </p:cNvPicPr>
-          <p:nvPr/>
-        </p:nvPicPr>
-        <p:blipFill>
-          <a:blip r:embed="rId2">
-            <a:extLst>
-              <a:ext uri="{28A0092B-C50C-407E-A947-70E740481C1C}">
-                <a14:useLocalDpi xmlns:a14="http://schemas.microsoft.com/office/drawing/2010/main" val="0"/>
-              </a:ext>
-            </a:extLst>
-          </a:blip>
-          <a:stretch>
-            <a:fillRect/>
-          </a:stretch>
-        </p:blipFill>
+              <a:t>TECHNOLOGIES USED</a:t>
+            </a:r>
+            <a:endParaRPr lang="en-US" dirty="0"/>
+          </a:p>
+        </p:txBody>
+      </p:sp>
+      <p:sp>
+        <p:nvSpPr>
+          <p:cNvPr id="6" name="Subtitle 2"/>
+          <p:cNvSpPr>
+            <a:spLocks noGrp="1"/>
+          </p:cNvSpPr>
+          <p:nvPr>
+            <p:ph type="subTitle" idx="1"/>
+          </p:nvPr>
+        </p:nvSpPr>
         <p:spPr>
           <a:xfrm>
-            <a:off x="3192384" y="3312764"/>
-            <a:ext cx="978000" cy="952500"/>
-          </a:xfrm>
-          <a:prstGeom prst="rect">
-            <a:avLst/>
-          </a:prstGeom>
-        </p:spPr>
-      </p:pic>
-      <p:cxnSp>
-        <p:nvCxnSpPr>
-          <p:cNvPr id="6" name="Straight Connector 5"/>
-          <p:cNvCxnSpPr/>
-          <p:nvPr/>
-        </p:nvCxnSpPr>
-        <p:spPr>
-          <a:xfrm>
-            <a:off x="4503905" y="3789014"/>
-            <a:ext cx="25500" cy="3517"/>
-          </a:xfrm>
-          <a:prstGeom prst="line">
-            <a:avLst/>
-          </a:prstGeom>
-        </p:spPr>
-        <p:style>
-          <a:lnRef idx="1">
-            <a:schemeClr val="accent1"/>
-          </a:lnRef>
-          <a:fillRef idx="0">
-            <a:schemeClr val="accent1"/>
-          </a:fillRef>
-          <a:effectRef idx="0">
-            <a:schemeClr val="accent1"/>
-          </a:effectRef>
-          <a:fontRef idx="minor">
-            <a:schemeClr val="tx1"/>
-          </a:fontRef>
-        </p:style>
-      </p:cxnSp>
-      <p:cxnSp>
-        <p:nvCxnSpPr>
-          <p:cNvPr id="9" name="Straight Connector 8"/>
-          <p:cNvCxnSpPr>
-            <a:stCxn id="4" idx="3"/>
-            <a:endCxn id="12" idx="2"/>
-          </p:cNvCxnSpPr>
-          <p:nvPr/>
-        </p:nvCxnSpPr>
-        <p:spPr>
-          <a:xfrm flipV="1">
-            <a:off x="4170384" y="2449067"/>
-            <a:ext cx="2553580" cy="1339947"/>
-          </a:xfrm>
-          <a:prstGeom prst="line">
-            <a:avLst/>
-          </a:prstGeom>
-          <a:ln>
-            <a:solidFill>
-              <a:schemeClr val="bg1">
-                <a:alpha val="60000"/>
-              </a:schemeClr>
-            </a:solidFill>
-          </a:ln>
-        </p:spPr>
-        <p:style>
-          <a:lnRef idx="1">
-            <a:schemeClr val="accent1"/>
-          </a:lnRef>
-          <a:fillRef idx="0">
-            <a:schemeClr val="accent1"/>
-          </a:fillRef>
-          <a:effectRef idx="0">
-            <a:schemeClr val="accent1"/>
-          </a:effectRef>
-          <a:fontRef idx="minor">
-            <a:schemeClr val="tx1"/>
-          </a:fontRef>
-        </p:style>
-      </p:cxnSp>
-      <p:sp>
-        <p:nvSpPr>
-          <p:cNvPr id="12" name="Oval 11"/>
-          <p:cNvSpPr/>
-          <p:nvPr/>
-        </p:nvSpPr>
-        <p:spPr>
-          <a:xfrm>
-            <a:off x="6723964" y="2076273"/>
-            <a:ext cx="1688123" cy="745588"/>
-          </a:xfrm>
-          <a:prstGeom prst="ellipse">
-            <a:avLst/>
-          </a:prstGeom>
-        </p:spPr>
-        <p:style>
-          <a:lnRef idx="2">
-            <a:schemeClr val="accent1">
-              <a:shade val="50000"/>
-            </a:schemeClr>
-          </a:lnRef>
-          <a:fillRef idx="1">
-            <a:schemeClr val="accent1"/>
-          </a:fillRef>
-          <a:effectRef idx="0">
-            <a:schemeClr val="accent1"/>
-          </a:effectRef>
-          <a:fontRef idx="minor">
-            <a:schemeClr val="lt1"/>
-          </a:fontRef>
-        </p:style>
-        <p:txBody>
-          <a:bodyPr rtlCol="0" anchor="ctr"/>
-          <a:lstStyle/>
-          <a:p>
-            <a:pPr algn="ctr"/>
-            <a:r>
-              <a:rPr lang="en-US" dirty="0" smtClean="0"/>
-              <a:t>Login</a:t>
-            </a:r>
-            <a:endParaRPr lang="en-US" dirty="0"/>
-          </a:p>
-        </p:txBody>
-      </p:sp>
-      <p:sp>
-        <p:nvSpPr>
-          <p:cNvPr id="13" name="Subtitle 12"/>
-          <p:cNvSpPr>
-            <a:spLocks noGrp="1"/>
-          </p:cNvSpPr>
-          <p:nvPr>
-            <p:ph type="subTitle" idx="1"/>
-          </p:nvPr>
-        </p:nvSpPr>
-        <p:spPr>
-          <a:xfrm>
-            <a:off x="6597525" y="3040201"/>
-            <a:ext cx="1814562" cy="750571"/>
-          </a:xfrm>
-          <a:prstGeom prst="ellipse">
-            <a:avLst/>
-          </a:prstGeom>
-        </p:spPr>
-        <p:style>
-          <a:lnRef idx="2">
-            <a:schemeClr val="accent1">
-              <a:shade val="50000"/>
-            </a:schemeClr>
-          </a:lnRef>
-          <a:fillRef idx="1">
-            <a:schemeClr val="accent1"/>
-          </a:fillRef>
-          <a:effectRef idx="0">
-            <a:schemeClr val="accent1"/>
-          </a:effectRef>
-          <a:fontRef idx="minor">
-            <a:schemeClr val="lt1"/>
-          </a:fontRef>
-        </p:style>
-        <p:txBody>
-          <a:bodyPr rtlCol="0" anchor="ctr"/>
-          <a:lstStyle/>
-          <a:p>
-            <a:pPr algn="ctr"/>
-            <a:r>
-              <a:rPr lang="en-US" dirty="0" smtClean="0">
-                <a:solidFill>
-                  <a:schemeClr val="tx1"/>
-                </a:solidFill>
-              </a:rPr>
-              <a:t>Register</a:t>
-            </a:r>
-            <a:endParaRPr lang="en-US" dirty="0">
-              <a:solidFill>
-                <a:schemeClr val="tx1"/>
-              </a:solidFill>
-            </a:endParaRPr>
-          </a:p>
-        </p:txBody>
-      </p:sp>
-      <p:cxnSp>
-        <p:nvCxnSpPr>
-          <p:cNvPr id="14" name="Straight Connector 13"/>
-          <p:cNvCxnSpPr>
-            <a:stCxn id="4" idx="3"/>
-            <a:endCxn id="13" idx="2"/>
-          </p:cNvCxnSpPr>
-          <p:nvPr/>
-        </p:nvCxnSpPr>
-        <p:spPr>
-          <a:xfrm flipV="1">
-            <a:off x="4170384" y="3415487"/>
-            <a:ext cx="2427141" cy="373527"/>
-          </a:xfrm>
-          <a:prstGeom prst="line">
-            <a:avLst/>
-          </a:prstGeom>
-          <a:ln>
-            <a:solidFill>
-              <a:schemeClr val="bg1">
-                <a:alpha val="60000"/>
-              </a:schemeClr>
-            </a:solidFill>
-          </a:ln>
-        </p:spPr>
-        <p:style>
-          <a:lnRef idx="1">
-            <a:schemeClr val="accent1"/>
-          </a:lnRef>
-          <a:fillRef idx="0">
-            <a:schemeClr val="accent1"/>
-          </a:fillRef>
-          <a:effectRef idx="0">
-            <a:schemeClr val="accent1"/>
-          </a:effectRef>
-          <a:fontRef idx="minor">
-            <a:schemeClr val="tx1"/>
-          </a:fontRef>
-        </p:style>
-      </p:cxnSp>
-      <p:sp>
-        <p:nvSpPr>
-          <p:cNvPr id="17" name="Subtitle 12"/>
-          <p:cNvSpPr txBox="1">
-            <a:spLocks/>
-          </p:cNvSpPr>
-          <p:nvPr/>
-        </p:nvSpPr>
-        <p:spPr>
-          <a:xfrm>
-            <a:off x="6597525" y="3889978"/>
-            <a:ext cx="1814562" cy="750571"/>
-          </a:xfrm>
-          <a:prstGeom prst="ellipse">
-            <a:avLst/>
-          </a:prstGeom>
-        </p:spPr>
-        <p:style>
-          <a:lnRef idx="2">
-            <a:schemeClr val="accent1">
-              <a:shade val="50000"/>
-            </a:schemeClr>
-          </a:lnRef>
-          <a:fillRef idx="1">
-            <a:schemeClr val="accent1"/>
-          </a:fillRef>
-          <a:effectRef idx="0">
-            <a:schemeClr val="accent1"/>
-          </a:effectRef>
-          <a:fontRef idx="minor">
-            <a:schemeClr val="lt1"/>
-          </a:fontRef>
-        </p:style>
-        <p:txBody>
-          <a:bodyPr rot="0" spcFirstLastPara="0" vertOverflow="overflow" horzOverflow="overflow" vert="horz" wrap="square" lIns="91440" tIns="45720" rIns="91440" bIns="45720" numCol="1" spcCol="0" rtlCol="0" fromWordArt="0" anchor="ctr" anchorCtr="0" forceAA="0" compatLnSpc="1">
-            <a:prstTxWarp prst="textNoShape">
-              <a:avLst/>
-            </a:prstTxWarp>
-            <a:noAutofit/>
+            <a:off x="684211" y="1308295"/>
+            <a:ext cx="8501991" cy="4684541"/>
+          </a:xfrm>
+        </p:spPr>
+        <p:txBody>
+          <a:bodyPr>
+            <a:normAutofit/>
           </a:bodyPr>
-          <a:lstStyle>
-            <a:lvl1pPr marL="0" indent="0" algn="l" defTabSz="457200" rtl="0" eaLnBrk="1" latinLnBrk="0" hangingPunct="1">
-              <a:spcBef>
-                <a:spcPct val="20000"/>
-              </a:spcBef>
-              <a:spcAft>
-                <a:spcPts val="600"/>
-              </a:spcAft>
-              <a:buClr>
-                <a:schemeClr val="tx1"/>
-              </a:buClr>
-              <a:buSzPct val="80000"/>
-              <a:buFont typeface="Wingdings 3" panose="05040102010807070707" pitchFamily="18" charset="2"/>
-              <a:buNone/>
-              <a:defRPr sz="2100" kern="1200" cap="none">
-                <a:solidFill>
-                  <a:schemeClr val="bg2">
-                    <a:lumMod val="75000"/>
-                  </a:schemeClr>
-                </a:solidFill>
-                <a:effectLst/>
-                <a:latin typeface="+mn-lt"/>
-                <a:ea typeface="+mn-ea"/>
-                <a:cs typeface="+mn-cs"/>
-              </a:defRPr>
-            </a:lvl1pPr>
-            <a:lvl2pPr marL="457200" indent="0" algn="ctr" defTabSz="457200" rtl="0" eaLnBrk="1" latinLnBrk="0" hangingPunct="1">
-              <a:spcBef>
-                <a:spcPct val="20000"/>
-              </a:spcBef>
-              <a:spcAft>
-                <a:spcPts val="600"/>
-              </a:spcAft>
-              <a:buClr>
-                <a:schemeClr val="tx1"/>
-              </a:buClr>
-              <a:buSzPct val="80000"/>
-              <a:buFont typeface="Wingdings 3" panose="05040102010807070707" pitchFamily="18" charset="2"/>
-              <a:buNone/>
-              <a:defRPr sz="1800" kern="1200" cap="none">
-                <a:solidFill>
-                  <a:schemeClr val="tx1">
-                    <a:tint val="75000"/>
-                  </a:schemeClr>
-                </a:solidFill>
-                <a:effectLst/>
-                <a:latin typeface="+mn-lt"/>
-                <a:ea typeface="+mn-ea"/>
-                <a:cs typeface="+mn-cs"/>
-              </a:defRPr>
-            </a:lvl2pPr>
-            <a:lvl3pPr marL="914400" indent="0" algn="ctr" defTabSz="457200" rtl="0" eaLnBrk="1" latinLnBrk="0" hangingPunct="1">
-              <a:spcBef>
-                <a:spcPct val="20000"/>
-              </a:spcBef>
-              <a:spcAft>
-                <a:spcPts val="600"/>
-              </a:spcAft>
-              <a:buClr>
-                <a:schemeClr val="tx1"/>
-              </a:buClr>
-              <a:buSzPct val="80000"/>
-              <a:buFont typeface="Wingdings 3" panose="05040102010807070707" pitchFamily="18" charset="2"/>
-              <a:buNone/>
-              <a:defRPr sz="1600" kern="1200" cap="none">
-                <a:solidFill>
-                  <a:schemeClr val="tx1">
-                    <a:tint val="75000"/>
-                  </a:schemeClr>
-                </a:solidFill>
-                <a:effectLst/>
-                <a:latin typeface="+mn-lt"/>
-                <a:ea typeface="+mn-ea"/>
-                <a:cs typeface="+mn-cs"/>
-              </a:defRPr>
-            </a:lvl3pPr>
-            <a:lvl4pPr marL="1371600" indent="0" algn="ctr" defTabSz="457200" rtl="0" eaLnBrk="1" latinLnBrk="0" hangingPunct="1">
-              <a:spcBef>
-                <a:spcPct val="20000"/>
-              </a:spcBef>
-              <a:spcAft>
-                <a:spcPts val="600"/>
-              </a:spcAft>
-              <a:buClr>
-                <a:schemeClr val="tx1"/>
-              </a:buClr>
-              <a:buSzPct val="80000"/>
-              <a:buFont typeface="Wingdings 3" panose="05040102010807070707" pitchFamily="18" charset="2"/>
-              <a:buNone/>
-              <a:defRPr sz="1400" kern="1200" cap="none">
-                <a:solidFill>
-                  <a:schemeClr val="tx1">
-                    <a:tint val="75000"/>
-                  </a:schemeClr>
-                </a:solidFill>
-                <a:effectLst/>
-                <a:latin typeface="+mn-lt"/>
-                <a:ea typeface="+mn-ea"/>
-                <a:cs typeface="+mn-cs"/>
-              </a:defRPr>
-            </a:lvl4pPr>
-            <a:lvl5pPr marL="1828800" indent="0" algn="ctr" defTabSz="457200" rtl="0" eaLnBrk="1" latinLnBrk="0" hangingPunct="1">
-              <a:spcBef>
-                <a:spcPct val="20000"/>
-              </a:spcBef>
-              <a:spcAft>
-                <a:spcPts val="600"/>
-              </a:spcAft>
-              <a:buClr>
-                <a:schemeClr val="tx1"/>
-              </a:buClr>
-              <a:buSzPct val="80000"/>
-              <a:buFont typeface="Wingdings 3" panose="05040102010807070707" pitchFamily="18" charset="2"/>
-              <a:buNone/>
-              <a:defRPr sz="1400" kern="1200" cap="none">
-                <a:solidFill>
-                  <a:schemeClr val="tx1">
-                    <a:tint val="75000"/>
-                  </a:schemeClr>
-                </a:solidFill>
-                <a:effectLst/>
-                <a:latin typeface="+mn-lt"/>
-                <a:ea typeface="+mn-ea"/>
-                <a:cs typeface="+mn-cs"/>
-              </a:defRPr>
-            </a:lvl5pPr>
-            <a:lvl6pPr marL="2286000" indent="0" algn="ctr" defTabSz="457200" rtl="0" eaLnBrk="1" latinLnBrk="0" hangingPunct="1">
-              <a:spcBef>
-                <a:spcPct val="20000"/>
-              </a:spcBef>
-              <a:spcAft>
-                <a:spcPts val="600"/>
-              </a:spcAft>
-              <a:buClr>
-                <a:schemeClr val="tx1"/>
-              </a:buClr>
-              <a:buSzPct val="80000"/>
-              <a:buFont typeface="Wingdings 3" panose="05040102010807070707" pitchFamily="18" charset="2"/>
-              <a:buNone/>
-              <a:defRPr sz="1400" kern="1200" cap="none">
-                <a:solidFill>
-                  <a:schemeClr val="tx1">
-                    <a:tint val="75000"/>
-                  </a:schemeClr>
-                </a:solidFill>
-                <a:effectLst/>
-                <a:latin typeface="+mn-lt"/>
-                <a:ea typeface="+mn-ea"/>
-                <a:cs typeface="+mn-cs"/>
-              </a:defRPr>
-            </a:lvl6pPr>
-            <a:lvl7pPr marL="2743200" indent="0" algn="ctr" defTabSz="457200" rtl="0" eaLnBrk="1" latinLnBrk="0" hangingPunct="1">
-              <a:spcBef>
-                <a:spcPct val="20000"/>
-              </a:spcBef>
-              <a:spcAft>
-                <a:spcPts val="600"/>
-              </a:spcAft>
-              <a:buClr>
-                <a:schemeClr val="tx1"/>
-              </a:buClr>
-              <a:buSzPct val="80000"/>
-              <a:buFont typeface="Wingdings 3" panose="05040102010807070707" pitchFamily="18" charset="2"/>
-              <a:buNone/>
-              <a:defRPr sz="1400" kern="1200" cap="none">
-                <a:solidFill>
-                  <a:schemeClr val="tx1">
-                    <a:tint val="75000"/>
-                  </a:schemeClr>
-                </a:solidFill>
-                <a:effectLst/>
-                <a:latin typeface="+mn-lt"/>
-                <a:ea typeface="+mn-ea"/>
-                <a:cs typeface="+mn-cs"/>
-              </a:defRPr>
-            </a:lvl7pPr>
-            <a:lvl8pPr marL="3200400" indent="0" algn="ctr" defTabSz="457200" rtl="0" eaLnBrk="1" latinLnBrk="0" hangingPunct="1">
-              <a:spcBef>
-                <a:spcPct val="20000"/>
-              </a:spcBef>
-              <a:spcAft>
-                <a:spcPts val="600"/>
-              </a:spcAft>
-              <a:buClr>
-                <a:schemeClr val="tx1"/>
-              </a:buClr>
-              <a:buSzPct val="80000"/>
-              <a:buFont typeface="Wingdings 3" panose="05040102010807070707" pitchFamily="18" charset="2"/>
-              <a:buNone/>
-              <a:defRPr sz="1400" kern="1200" cap="none">
-                <a:solidFill>
-                  <a:schemeClr val="tx1">
-                    <a:tint val="75000"/>
-                  </a:schemeClr>
-                </a:solidFill>
-                <a:effectLst/>
-                <a:latin typeface="+mn-lt"/>
-                <a:ea typeface="+mn-ea"/>
-                <a:cs typeface="+mn-cs"/>
-              </a:defRPr>
-            </a:lvl8pPr>
-            <a:lvl9pPr marL="3657600" indent="0" algn="ctr" defTabSz="457200" rtl="0" eaLnBrk="1" latinLnBrk="0" hangingPunct="1">
-              <a:spcBef>
-                <a:spcPct val="20000"/>
-              </a:spcBef>
-              <a:spcAft>
-                <a:spcPts val="600"/>
-              </a:spcAft>
-              <a:buClr>
-                <a:schemeClr val="tx1"/>
-              </a:buClr>
-              <a:buSzPct val="80000"/>
-              <a:buFont typeface="Wingdings 3" panose="05040102010807070707" pitchFamily="18" charset="2"/>
-              <a:buNone/>
-              <a:defRPr sz="1400" kern="1200" cap="none">
-                <a:solidFill>
-                  <a:schemeClr val="tx1">
-                    <a:tint val="75000"/>
-                  </a:schemeClr>
-                </a:solidFill>
-                <a:effectLst/>
-                <a:latin typeface="+mn-lt"/>
-                <a:ea typeface="+mn-ea"/>
-                <a:cs typeface="+mn-cs"/>
-              </a:defRPr>
-            </a:lvl9pPr>
-          </a:lstStyle>
-          <a:p>
-            <a:pPr algn="ctr"/>
-            <a:r>
-              <a:rPr lang="en-US" dirty="0" smtClean="0">
-                <a:solidFill>
-                  <a:schemeClr val="tx1"/>
-                </a:solidFill>
-              </a:rPr>
-              <a:t>Search</a:t>
-            </a:r>
-            <a:endParaRPr lang="en-US" dirty="0">
-              <a:solidFill>
-                <a:schemeClr val="tx1"/>
-              </a:solidFill>
-            </a:endParaRPr>
-          </a:p>
-        </p:txBody>
-      </p:sp>
-      <p:cxnSp>
-        <p:nvCxnSpPr>
-          <p:cNvPr id="18" name="Straight Connector 17"/>
-          <p:cNvCxnSpPr>
-            <a:stCxn id="4" idx="3"/>
-            <a:endCxn id="17" idx="2"/>
-          </p:cNvCxnSpPr>
-          <p:nvPr/>
-        </p:nvCxnSpPr>
-        <p:spPr>
-          <a:xfrm>
-            <a:off x="4170384" y="3789014"/>
-            <a:ext cx="2427141" cy="476250"/>
-          </a:xfrm>
-          <a:prstGeom prst="line">
-            <a:avLst/>
-          </a:prstGeom>
-          <a:ln>
-            <a:solidFill>
-              <a:schemeClr val="bg1">
-                <a:alpha val="60000"/>
-              </a:schemeClr>
-            </a:solidFill>
-          </a:ln>
-        </p:spPr>
-        <p:style>
-          <a:lnRef idx="1">
-            <a:schemeClr val="accent1"/>
-          </a:lnRef>
-          <a:fillRef idx="0">
-            <a:schemeClr val="accent1"/>
-          </a:fillRef>
-          <a:effectRef idx="0">
-            <a:schemeClr val="accent1"/>
-          </a:effectRef>
-          <a:fontRef idx="minor">
-            <a:schemeClr val="tx1"/>
-          </a:fontRef>
-        </p:style>
-      </p:cxnSp>
-      <p:sp>
-        <p:nvSpPr>
-          <p:cNvPr id="20" name="Subtitle 12"/>
-          <p:cNvSpPr txBox="1">
-            <a:spLocks/>
-          </p:cNvSpPr>
-          <p:nvPr/>
-        </p:nvSpPr>
-        <p:spPr>
-          <a:xfrm>
-            <a:off x="6597525" y="4739755"/>
-            <a:ext cx="1814562" cy="750571"/>
-          </a:xfrm>
-          <a:prstGeom prst="ellipse">
-            <a:avLst/>
-          </a:prstGeom>
-        </p:spPr>
-        <p:style>
-          <a:lnRef idx="2">
-            <a:schemeClr val="accent1">
-              <a:shade val="50000"/>
-            </a:schemeClr>
-          </a:lnRef>
-          <a:fillRef idx="1">
-            <a:schemeClr val="accent1"/>
-          </a:fillRef>
-          <a:effectRef idx="0">
-            <a:schemeClr val="accent1"/>
-          </a:effectRef>
-          <a:fontRef idx="minor">
-            <a:schemeClr val="lt1"/>
-          </a:fontRef>
-        </p:style>
-        <p:txBody>
-          <a:bodyPr rot="0" spcFirstLastPara="0" vertOverflow="overflow" horzOverflow="overflow" vert="horz" wrap="square" lIns="91440" tIns="45720" rIns="91440" bIns="45720" numCol="1" spcCol="0" rtlCol="0" fromWordArt="0" anchor="ctr" anchorCtr="0" forceAA="0" compatLnSpc="1">
-            <a:prstTxWarp prst="textNoShape">
-              <a:avLst/>
-            </a:prstTxWarp>
-            <a:noAutofit/>
-          </a:bodyPr>
-          <a:lstStyle>
-            <a:lvl1pPr marL="0" indent="0" algn="l" defTabSz="457200" rtl="0" eaLnBrk="1" latinLnBrk="0" hangingPunct="1">
-              <a:spcBef>
-                <a:spcPct val="20000"/>
-              </a:spcBef>
-              <a:spcAft>
-                <a:spcPts val="600"/>
-              </a:spcAft>
-              <a:buClr>
-                <a:schemeClr val="tx1"/>
-              </a:buClr>
-              <a:buSzPct val="80000"/>
-              <a:buFont typeface="Wingdings 3" panose="05040102010807070707" pitchFamily="18" charset="2"/>
-              <a:buNone/>
-              <a:defRPr sz="2100" kern="1200" cap="none">
-                <a:solidFill>
-                  <a:schemeClr val="bg2">
-                    <a:lumMod val="75000"/>
-                  </a:schemeClr>
-                </a:solidFill>
-                <a:effectLst/>
-                <a:latin typeface="+mn-lt"/>
-                <a:ea typeface="+mn-ea"/>
-                <a:cs typeface="+mn-cs"/>
-              </a:defRPr>
-            </a:lvl1pPr>
-            <a:lvl2pPr marL="457200" indent="0" algn="ctr" defTabSz="457200" rtl="0" eaLnBrk="1" latinLnBrk="0" hangingPunct="1">
-              <a:spcBef>
-                <a:spcPct val="20000"/>
-              </a:spcBef>
-              <a:spcAft>
-                <a:spcPts val="600"/>
-              </a:spcAft>
-              <a:buClr>
-                <a:schemeClr val="tx1"/>
-              </a:buClr>
-              <a:buSzPct val="80000"/>
-              <a:buFont typeface="Wingdings 3" panose="05040102010807070707" pitchFamily="18" charset="2"/>
-              <a:buNone/>
-              <a:defRPr sz="1800" kern="1200" cap="none">
-                <a:solidFill>
-                  <a:schemeClr val="tx1">
-                    <a:tint val="75000"/>
-                  </a:schemeClr>
-                </a:solidFill>
-                <a:effectLst/>
-                <a:latin typeface="+mn-lt"/>
-                <a:ea typeface="+mn-ea"/>
-                <a:cs typeface="+mn-cs"/>
-              </a:defRPr>
-            </a:lvl2pPr>
-            <a:lvl3pPr marL="914400" indent="0" algn="ctr" defTabSz="457200" rtl="0" eaLnBrk="1" latinLnBrk="0" hangingPunct="1">
-              <a:spcBef>
-                <a:spcPct val="20000"/>
-              </a:spcBef>
-              <a:spcAft>
-                <a:spcPts val="600"/>
-              </a:spcAft>
-              <a:buClr>
-                <a:schemeClr val="tx1"/>
-              </a:buClr>
-              <a:buSzPct val="80000"/>
-              <a:buFont typeface="Wingdings 3" panose="05040102010807070707" pitchFamily="18" charset="2"/>
-              <a:buNone/>
-              <a:defRPr sz="1600" kern="1200" cap="none">
-                <a:solidFill>
-                  <a:schemeClr val="tx1">
-                    <a:tint val="75000"/>
-                  </a:schemeClr>
-                </a:solidFill>
-                <a:effectLst/>
-                <a:latin typeface="+mn-lt"/>
-                <a:ea typeface="+mn-ea"/>
-                <a:cs typeface="+mn-cs"/>
-              </a:defRPr>
-            </a:lvl3pPr>
-            <a:lvl4pPr marL="1371600" indent="0" algn="ctr" defTabSz="457200" rtl="0" eaLnBrk="1" latinLnBrk="0" hangingPunct="1">
-              <a:spcBef>
-                <a:spcPct val="20000"/>
-              </a:spcBef>
-              <a:spcAft>
-                <a:spcPts val="600"/>
-              </a:spcAft>
-              <a:buClr>
-                <a:schemeClr val="tx1"/>
-              </a:buClr>
-              <a:buSzPct val="80000"/>
-              <a:buFont typeface="Wingdings 3" panose="05040102010807070707" pitchFamily="18" charset="2"/>
-              <a:buNone/>
-              <a:defRPr sz="1400" kern="1200" cap="none">
-                <a:solidFill>
-                  <a:schemeClr val="tx1">
-                    <a:tint val="75000"/>
-                  </a:schemeClr>
-                </a:solidFill>
-                <a:effectLst/>
-                <a:latin typeface="+mn-lt"/>
-                <a:ea typeface="+mn-ea"/>
-                <a:cs typeface="+mn-cs"/>
-              </a:defRPr>
-            </a:lvl4pPr>
-            <a:lvl5pPr marL="1828800" indent="0" algn="ctr" defTabSz="457200" rtl="0" eaLnBrk="1" latinLnBrk="0" hangingPunct="1">
-              <a:spcBef>
-                <a:spcPct val="20000"/>
-              </a:spcBef>
-              <a:spcAft>
-                <a:spcPts val="600"/>
-              </a:spcAft>
-              <a:buClr>
-                <a:schemeClr val="tx1"/>
-              </a:buClr>
-              <a:buSzPct val="80000"/>
-              <a:buFont typeface="Wingdings 3" panose="05040102010807070707" pitchFamily="18" charset="2"/>
-              <a:buNone/>
-              <a:defRPr sz="1400" kern="1200" cap="none">
-                <a:solidFill>
-                  <a:schemeClr val="tx1">
-                    <a:tint val="75000"/>
-                  </a:schemeClr>
-                </a:solidFill>
-                <a:effectLst/>
-                <a:latin typeface="+mn-lt"/>
-                <a:ea typeface="+mn-ea"/>
-                <a:cs typeface="+mn-cs"/>
-              </a:defRPr>
-            </a:lvl5pPr>
-            <a:lvl6pPr marL="2286000" indent="0" algn="ctr" defTabSz="457200" rtl="0" eaLnBrk="1" latinLnBrk="0" hangingPunct="1">
-              <a:spcBef>
-                <a:spcPct val="20000"/>
-              </a:spcBef>
-              <a:spcAft>
-                <a:spcPts val="600"/>
-              </a:spcAft>
-              <a:buClr>
-                <a:schemeClr val="tx1"/>
-              </a:buClr>
-              <a:buSzPct val="80000"/>
-              <a:buFont typeface="Wingdings 3" panose="05040102010807070707" pitchFamily="18" charset="2"/>
-              <a:buNone/>
-              <a:defRPr sz="1400" kern="1200" cap="none">
-                <a:solidFill>
-                  <a:schemeClr val="tx1">
-                    <a:tint val="75000"/>
-                  </a:schemeClr>
-                </a:solidFill>
-                <a:effectLst/>
-                <a:latin typeface="+mn-lt"/>
-                <a:ea typeface="+mn-ea"/>
-                <a:cs typeface="+mn-cs"/>
-              </a:defRPr>
-            </a:lvl6pPr>
-            <a:lvl7pPr marL="2743200" indent="0" algn="ctr" defTabSz="457200" rtl="0" eaLnBrk="1" latinLnBrk="0" hangingPunct="1">
-              <a:spcBef>
-                <a:spcPct val="20000"/>
-              </a:spcBef>
-              <a:spcAft>
-                <a:spcPts val="600"/>
-              </a:spcAft>
-              <a:buClr>
-                <a:schemeClr val="tx1"/>
-              </a:buClr>
-              <a:buSzPct val="80000"/>
-              <a:buFont typeface="Wingdings 3" panose="05040102010807070707" pitchFamily="18" charset="2"/>
-              <a:buNone/>
-              <a:defRPr sz="1400" kern="1200" cap="none">
-                <a:solidFill>
-                  <a:schemeClr val="tx1">
-                    <a:tint val="75000"/>
-                  </a:schemeClr>
-                </a:solidFill>
-                <a:effectLst/>
-                <a:latin typeface="+mn-lt"/>
-                <a:ea typeface="+mn-ea"/>
-                <a:cs typeface="+mn-cs"/>
-              </a:defRPr>
-            </a:lvl7pPr>
-            <a:lvl8pPr marL="3200400" indent="0" algn="ctr" defTabSz="457200" rtl="0" eaLnBrk="1" latinLnBrk="0" hangingPunct="1">
-              <a:spcBef>
-                <a:spcPct val="20000"/>
-              </a:spcBef>
-              <a:spcAft>
-                <a:spcPts val="600"/>
-              </a:spcAft>
-              <a:buClr>
-                <a:schemeClr val="tx1"/>
-              </a:buClr>
-              <a:buSzPct val="80000"/>
-              <a:buFont typeface="Wingdings 3" panose="05040102010807070707" pitchFamily="18" charset="2"/>
-              <a:buNone/>
-              <a:defRPr sz="1400" kern="1200" cap="none">
-                <a:solidFill>
-                  <a:schemeClr val="tx1">
-                    <a:tint val="75000"/>
-                  </a:schemeClr>
-                </a:solidFill>
-                <a:effectLst/>
-                <a:latin typeface="+mn-lt"/>
-                <a:ea typeface="+mn-ea"/>
-                <a:cs typeface="+mn-cs"/>
-              </a:defRPr>
-            </a:lvl8pPr>
-            <a:lvl9pPr marL="3657600" indent="0" algn="ctr" defTabSz="457200" rtl="0" eaLnBrk="1" latinLnBrk="0" hangingPunct="1">
-              <a:spcBef>
-                <a:spcPct val="20000"/>
-              </a:spcBef>
-              <a:spcAft>
-                <a:spcPts val="600"/>
-              </a:spcAft>
-              <a:buClr>
-                <a:schemeClr val="tx1"/>
-              </a:buClr>
-              <a:buSzPct val="80000"/>
-              <a:buFont typeface="Wingdings 3" panose="05040102010807070707" pitchFamily="18" charset="2"/>
-              <a:buNone/>
-              <a:defRPr sz="1400" kern="1200" cap="none">
-                <a:solidFill>
-                  <a:schemeClr val="tx1">
-                    <a:tint val="75000"/>
-                  </a:schemeClr>
-                </a:solidFill>
-                <a:effectLst/>
-                <a:latin typeface="+mn-lt"/>
-                <a:ea typeface="+mn-ea"/>
-                <a:cs typeface="+mn-cs"/>
-              </a:defRPr>
-            </a:lvl9pPr>
-          </a:lstStyle>
-          <a:p>
-            <a:pPr algn="ctr"/>
-            <a:r>
-              <a:rPr lang="en-US" dirty="0" smtClean="0">
-                <a:solidFill>
-                  <a:schemeClr val="tx1"/>
-                </a:solidFill>
-              </a:rPr>
-              <a:t>Delete</a:t>
-            </a:r>
-            <a:endParaRPr lang="en-US" dirty="0">
-              <a:solidFill>
-                <a:schemeClr val="tx1"/>
-              </a:solidFill>
-            </a:endParaRPr>
-          </a:p>
-        </p:txBody>
-      </p:sp>
-      <p:cxnSp>
-        <p:nvCxnSpPr>
-          <p:cNvPr id="21" name="Straight Connector 20"/>
-          <p:cNvCxnSpPr>
-            <a:stCxn id="4" idx="3"/>
-            <a:endCxn id="20" idx="2"/>
-          </p:cNvCxnSpPr>
-          <p:nvPr/>
-        </p:nvCxnSpPr>
-        <p:spPr>
-          <a:xfrm>
-            <a:off x="4170384" y="3789014"/>
-            <a:ext cx="2427141" cy="1326027"/>
-          </a:xfrm>
-          <a:prstGeom prst="line">
-            <a:avLst/>
-          </a:prstGeom>
-          <a:ln>
-            <a:solidFill>
-              <a:schemeClr val="bg1">
-                <a:alpha val="60000"/>
-              </a:schemeClr>
-            </a:solidFill>
-          </a:ln>
-        </p:spPr>
-        <p:style>
-          <a:lnRef idx="1">
-            <a:schemeClr val="accent1"/>
-          </a:lnRef>
-          <a:fillRef idx="0">
-            <a:schemeClr val="accent1"/>
-          </a:fillRef>
-          <a:effectRef idx="0">
-            <a:schemeClr val="accent1"/>
-          </a:effectRef>
-          <a:fontRef idx="minor">
-            <a:schemeClr val="tx1"/>
-          </a:fontRef>
-        </p:style>
-      </p:cxnSp>
-      <p:sp>
-        <p:nvSpPr>
-          <p:cNvPr id="23" name="Subtitle 12"/>
-          <p:cNvSpPr txBox="1">
-            <a:spLocks/>
-          </p:cNvSpPr>
-          <p:nvPr/>
-        </p:nvSpPr>
-        <p:spPr>
-          <a:xfrm>
-            <a:off x="6597525" y="5588213"/>
-            <a:ext cx="1814562" cy="750571"/>
-          </a:xfrm>
-          <a:prstGeom prst="ellipse">
-            <a:avLst/>
-          </a:prstGeom>
-        </p:spPr>
-        <p:style>
-          <a:lnRef idx="2">
-            <a:schemeClr val="accent1">
-              <a:shade val="50000"/>
-            </a:schemeClr>
-          </a:lnRef>
-          <a:fillRef idx="1">
-            <a:schemeClr val="accent1"/>
-          </a:fillRef>
-          <a:effectRef idx="0">
-            <a:schemeClr val="accent1"/>
-          </a:effectRef>
-          <a:fontRef idx="minor">
-            <a:schemeClr val="lt1"/>
-          </a:fontRef>
-        </p:style>
-        <p:txBody>
-          <a:bodyPr rot="0" spcFirstLastPara="0" vertOverflow="overflow" horzOverflow="overflow" vert="horz" wrap="square" lIns="91440" tIns="45720" rIns="91440" bIns="45720" numCol="1" spcCol="0" rtlCol="0" fromWordArt="0" anchor="ctr" anchorCtr="0" forceAA="0" compatLnSpc="1">
-            <a:prstTxWarp prst="textNoShape">
-              <a:avLst/>
-            </a:prstTxWarp>
-            <a:noAutofit/>
-          </a:bodyPr>
-          <a:lstStyle>
-            <a:lvl1pPr marL="0" indent="0" algn="l" defTabSz="457200" rtl="0" eaLnBrk="1" latinLnBrk="0" hangingPunct="1">
-              <a:spcBef>
-                <a:spcPct val="20000"/>
-              </a:spcBef>
-              <a:spcAft>
-                <a:spcPts val="600"/>
-              </a:spcAft>
-              <a:buClr>
-                <a:schemeClr val="tx1"/>
-              </a:buClr>
-              <a:buSzPct val="80000"/>
-              <a:buFont typeface="Wingdings 3" panose="05040102010807070707" pitchFamily="18" charset="2"/>
-              <a:buNone/>
-              <a:defRPr sz="2100" kern="1200" cap="none">
-                <a:solidFill>
-                  <a:schemeClr val="bg2">
-                    <a:lumMod val="75000"/>
-                  </a:schemeClr>
-                </a:solidFill>
-                <a:effectLst/>
-                <a:latin typeface="+mn-lt"/>
-                <a:ea typeface="+mn-ea"/>
-                <a:cs typeface="+mn-cs"/>
-              </a:defRPr>
-            </a:lvl1pPr>
-            <a:lvl2pPr marL="457200" indent="0" algn="ctr" defTabSz="457200" rtl="0" eaLnBrk="1" latinLnBrk="0" hangingPunct="1">
-              <a:spcBef>
-                <a:spcPct val="20000"/>
-              </a:spcBef>
-              <a:spcAft>
-                <a:spcPts val="600"/>
-              </a:spcAft>
-              <a:buClr>
-                <a:schemeClr val="tx1"/>
-              </a:buClr>
-              <a:buSzPct val="80000"/>
-              <a:buFont typeface="Wingdings 3" panose="05040102010807070707" pitchFamily="18" charset="2"/>
-              <a:buNone/>
-              <a:defRPr sz="1800" kern="1200" cap="none">
-                <a:solidFill>
-                  <a:schemeClr val="tx1">
-                    <a:tint val="75000"/>
-                  </a:schemeClr>
-                </a:solidFill>
-                <a:effectLst/>
-                <a:latin typeface="+mn-lt"/>
-                <a:ea typeface="+mn-ea"/>
-                <a:cs typeface="+mn-cs"/>
-              </a:defRPr>
-            </a:lvl2pPr>
-            <a:lvl3pPr marL="914400" indent="0" algn="ctr" defTabSz="457200" rtl="0" eaLnBrk="1" latinLnBrk="0" hangingPunct="1">
-              <a:spcBef>
-                <a:spcPct val="20000"/>
-              </a:spcBef>
-              <a:spcAft>
-                <a:spcPts val="600"/>
-              </a:spcAft>
-              <a:buClr>
-                <a:schemeClr val="tx1"/>
-              </a:buClr>
-              <a:buSzPct val="80000"/>
-              <a:buFont typeface="Wingdings 3" panose="05040102010807070707" pitchFamily="18" charset="2"/>
-              <a:buNone/>
-              <a:defRPr sz="1600" kern="1200" cap="none">
-                <a:solidFill>
-                  <a:schemeClr val="tx1">
-                    <a:tint val="75000"/>
-                  </a:schemeClr>
-                </a:solidFill>
-                <a:effectLst/>
-                <a:latin typeface="+mn-lt"/>
-                <a:ea typeface="+mn-ea"/>
-                <a:cs typeface="+mn-cs"/>
-              </a:defRPr>
-            </a:lvl3pPr>
-            <a:lvl4pPr marL="1371600" indent="0" algn="ctr" defTabSz="457200" rtl="0" eaLnBrk="1" latinLnBrk="0" hangingPunct="1">
-              <a:spcBef>
-                <a:spcPct val="20000"/>
-              </a:spcBef>
-              <a:spcAft>
-                <a:spcPts val="600"/>
-              </a:spcAft>
-              <a:buClr>
-                <a:schemeClr val="tx1"/>
-              </a:buClr>
-              <a:buSzPct val="80000"/>
-              <a:buFont typeface="Wingdings 3" panose="05040102010807070707" pitchFamily="18" charset="2"/>
-              <a:buNone/>
-              <a:defRPr sz="1400" kern="1200" cap="none">
-                <a:solidFill>
-                  <a:schemeClr val="tx1">
-                    <a:tint val="75000"/>
-                  </a:schemeClr>
-                </a:solidFill>
-                <a:effectLst/>
-                <a:latin typeface="+mn-lt"/>
-                <a:ea typeface="+mn-ea"/>
-                <a:cs typeface="+mn-cs"/>
-              </a:defRPr>
-            </a:lvl4pPr>
-            <a:lvl5pPr marL="1828800" indent="0" algn="ctr" defTabSz="457200" rtl="0" eaLnBrk="1" latinLnBrk="0" hangingPunct="1">
-              <a:spcBef>
-                <a:spcPct val="20000"/>
-              </a:spcBef>
-              <a:spcAft>
-                <a:spcPts val="600"/>
-              </a:spcAft>
-              <a:buClr>
-                <a:schemeClr val="tx1"/>
-              </a:buClr>
-              <a:buSzPct val="80000"/>
-              <a:buFont typeface="Wingdings 3" panose="05040102010807070707" pitchFamily="18" charset="2"/>
-              <a:buNone/>
-              <a:defRPr sz="1400" kern="1200" cap="none">
-                <a:solidFill>
-                  <a:schemeClr val="tx1">
-                    <a:tint val="75000"/>
-                  </a:schemeClr>
-                </a:solidFill>
-                <a:effectLst/>
-                <a:latin typeface="+mn-lt"/>
-                <a:ea typeface="+mn-ea"/>
-                <a:cs typeface="+mn-cs"/>
-              </a:defRPr>
-            </a:lvl5pPr>
-            <a:lvl6pPr marL="2286000" indent="0" algn="ctr" defTabSz="457200" rtl="0" eaLnBrk="1" latinLnBrk="0" hangingPunct="1">
-              <a:spcBef>
-                <a:spcPct val="20000"/>
-              </a:spcBef>
-              <a:spcAft>
-                <a:spcPts val="600"/>
-              </a:spcAft>
-              <a:buClr>
-                <a:schemeClr val="tx1"/>
-              </a:buClr>
-              <a:buSzPct val="80000"/>
-              <a:buFont typeface="Wingdings 3" panose="05040102010807070707" pitchFamily="18" charset="2"/>
-              <a:buNone/>
-              <a:defRPr sz="1400" kern="1200" cap="none">
-                <a:solidFill>
-                  <a:schemeClr val="tx1">
-                    <a:tint val="75000"/>
-                  </a:schemeClr>
-                </a:solidFill>
-                <a:effectLst/>
-                <a:latin typeface="+mn-lt"/>
-                <a:ea typeface="+mn-ea"/>
-                <a:cs typeface="+mn-cs"/>
-              </a:defRPr>
-            </a:lvl6pPr>
-            <a:lvl7pPr marL="2743200" indent="0" algn="ctr" defTabSz="457200" rtl="0" eaLnBrk="1" latinLnBrk="0" hangingPunct="1">
-              <a:spcBef>
-                <a:spcPct val="20000"/>
-              </a:spcBef>
-              <a:spcAft>
-                <a:spcPts val="600"/>
-              </a:spcAft>
-              <a:buClr>
-                <a:schemeClr val="tx1"/>
-              </a:buClr>
-              <a:buSzPct val="80000"/>
-              <a:buFont typeface="Wingdings 3" panose="05040102010807070707" pitchFamily="18" charset="2"/>
-              <a:buNone/>
-              <a:defRPr sz="1400" kern="1200" cap="none">
-                <a:solidFill>
-                  <a:schemeClr val="tx1">
-                    <a:tint val="75000"/>
-                  </a:schemeClr>
-                </a:solidFill>
-                <a:effectLst/>
-                <a:latin typeface="+mn-lt"/>
-                <a:ea typeface="+mn-ea"/>
-                <a:cs typeface="+mn-cs"/>
-              </a:defRPr>
-            </a:lvl7pPr>
-            <a:lvl8pPr marL="3200400" indent="0" algn="ctr" defTabSz="457200" rtl="0" eaLnBrk="1" latinLnBrk="0" hangingPunct="1">
-              <a:spcBef>
-                <a:spcPct val="20000"/>
-              </a:spcBef>
-              <a:spcAft>
-                <a:spcPts val="600"/>
-              </a:spcAft>
-              <a:buClr>
-                <a:schemeClr val="tx1"/>
-              </a:buClr>
-              <a:buSzPct val="80000"/>
-              <a:buFont typeface="Wingdings 3" panose="05040102010807070707" pitchFamily="18" charset="2"/>
-              <a:buNone/>
-              <a:defRPr sz="1400" kern="1200" cap="none">
-                <a:solidFill>
-                  <a:schemeClr val="tx1">
-                    <a:tint val="75000"/>
-                  </a:schemeClr>
-                </a:solidFill>
-                <a:effectLst/>
-                <a:latin typeface="+mn-lt"/>
-                <a:ea typeface="+mn-ea"/>
-                <a:cs typeface="+mn-cs"/>
-              </a:defRPr>
-            </a:lvl8pPr>
-            <a:lvl9pPr marL="3657600" indent="0" algn="ctr" defTabSz="457200" rtl="0" eaLnBrk="1" latinLnBrk="0" hangingPunct="1">
-              <a:spcBef>
-                <a:spcPct val="20000"/>
-              </a:spcBef>
-              <a:spcAft>
-                <a:spcPts val="600"/>
-              </a:spcAft>
-              <a:buClr>
-                <a:schemeClr val="tx1"/>
-              </a:buClr>
-              <a:buSzPct val="80000"/>
-              <a:buFont typeface="Wingdings 3" panose="05040102010807070707" pitchFamily="18" charset="2"/>
-              <a:buNone/>
-              <a:defRPr sz="1400" kern="1200" cap="none">
-                <a:solidFill>
-                  <a:schemeClr val="tx1">
-                    <a:tint val="75000"/>
-                  </a:schemeClr>
-                </a:solidFill>
-                <a:effectLst/>
-                <a:latin typeface="+mn-lt"/>
-                <a:ea typeface="+mn-ea"/>
-                <a:cs typeface="+mn-cs"/>
-              </a:defRPr>
-            </a:lvl9pPr>
-          </a:lstStyle>
-          <a:p>
-            <a:pPr algn="ctr"/>
-            <a:r>
-              <a:rPr lang="en-US" dirty="0" smtClean="0">
-                <a:solidFill>
-                  <a:schemeClr val="tx1"/>
-                </a:solidFill>
-              </a:rPr>
-              <a:t>Chat</a:t>
-            </a:r>
-            <a:endParaRPr lang="en-US" dirty="0">
-              <a:solidFill>
-                <a:schemeClr val="tx1"/>
-              </a:solidFill>
-            </a:endParaRPr>
-          </a:p>
-        </p:txBody>
-      </p:sp>
-      <p:cxnSp>
-        <p:nvCxnSpPr>
-          <p:cNvPr id="24" name="Straight Connector 23"/>
-          <p:cNvCxnSpPr>
-            <a:stCxn id="4" idx="3"/>
-            <a:endCxn id="23" idx="2"/>
-          </p:cNvCxnSpPr>
-          <p:nvPr/>
-        </p:nvCxnSpPr>
-        <p:spPr>
-          <a:xfrm>
-            <a:off x="4170384" y="3789014"/>
-            <a:ext cx="2427141" cy="2174485"/>
-          </a:xfrm>
-          <a:prstGeom prst="line">
-            <a:avLst/>
-          </a:prstGeom>
-          <a:ln>
-            <a:solidFill>
-              <a:schemeClr val="bg1">
-                <a:alpha val="60000"/>
-              </a:schemeClr>
-            </a:solidFill>
-          </a:ln>
-        </p:spPr>
-        <p:style>
-          <a:lnRef idx="1">
-            <a:schemeClr val="accent1"/>
-          </a:lnRef>
-          <a:fillRef idx="0">
-            <a:schemeClr val="accent1"/>
-          </a:fillRef>
-          <a:effectRef idx="0">
-            <a:schemeClr val="accent1"/>
-          </a:effectRef>
-          <a:fontRef idx="minor">
-            <a:schemeClr val="tx1"/>
-          </a:fontRef>
-        </p:style>
-      </p:cxnSp>
-      <p:sp>
-        <p:nvSpPr>
-          <p:cNvPr id="26" name="Subtitle 12"/>
-          <p:cNvSpPr txBox="1">
-            <a:spLocks/>
-          </p:cNvSpPr>
-          <p:nvPr/>
-        </p:nvSpPr>
-        <p:spPr>
-          <a:xfrm>
-            <a:off x="2841622" y="2364252"/>
-            <a:ext cx="1662283" cy="750571"/>
-          </a:xfrm>
-          <a:prstGeom prst="ellipse">
-            <a:avLst/>
-          </a:prstGeom>
-        </p:spPr>
-        <p:style>
-          <a:lnRef idx="2">
-            <a:schemeClr val="accent1">
-              <a:shade val="50000"/>
-            </a:schemeClr>
-          </a:lnRef>
-          <a:fillRef idx="1">
-            <a:schemeClr val="accent1"/>
-          </a:fillRef>
-          <a:effectRef idx="0">
-            <a:schemeClr val="accent1"/>
-          </a:effectRef>
-          <a:fontRef idx="minor">
-            <a:schemeClr val="lt1"/>
-          </a:fontRef>
-        </p:style>
-        <p:txBody>
-          <a:bodyPr rot="0" spcFirstLastPara="0" vertOverflow="overflow" horzOverflow="overflow" vert="horz" wrap="square" lIns="91440" tIns="45720" rIns="91440" bIns="45720" numCol="1" spcCol="0" rtlCol="0" fromWordArt="0" anchor="ctr" anchorCtr="0" forceAA="0" compatLnSpc="1">
-            <a:prstTxWarp prst="textNoShape">
-              <a:avLst/>
-            </a:prstTxWarp>
-            <a:noAutofit/>
-          </a:bodyPr>
-          <a:lstStyle>
-            <a:lvl1pPr marL="0" indent="0" algn="l" defTabSz="457200" rtl="0" eaLnBrk="1" latinLnBrk="0" hangingPunct="1">
-              <a:spcBef>
-                <a:spcPct val="20000"/>
-              </a:spcBef>
-              <a:spcAft>
-                <a:spcPts val="600"/>
-              </a:spcAft>
-              <a:buClr>
-                <a:schemeClr val="tx1"/>
-              </a:buClr>
-              <a:buSzPct val="80000"/>
-              <a:buFont typeface="Wingdings 3" panose="05040102010807070707" pitchFamily="18" charset="2"/>
-              <a:buNone/>
-              <a:defRPr sz="2100" kern="1200" cap="none">
-                <a:solidFill>
-                  <a:schemeClr val="bg2">
-                    <a:lumMod val="75000"/>
-                  </a:schemeClr>
-                </a:solidFill>
-                <a:effectLst/>
-                <a:latin typeface="+mn-lt"/>
-                <a:ea typeface="+mn-ea"/>
-                <a:cs typeface="+mn-cs"/>
-              </a:defRPr>
-            </a:lvl1pPr>
-            <a:lvl2pPr marL="457200" indent="0" algn="ctr" defTabSz="457200" rtl="0" eaLnBrk="1" latinLnBrk="0" hangingPunct="1">
-              <a:spcBef>
-                <a:spcPct val="20000"/>
-              </a:spcBef>
-              <a:spcAft>
-                <a:spcPts val="600"/>
-              </a:spcAft>
-              <a:buClr>
-                <a:schemeClr val="tx1"/>
-              </a:buClr>
-              <a:buSzPct val="80000"/>
-              <a:buFont typeface="Wingdings 3" panose="05040102010807070707" pitchFamily="18" charset="2"/>
-              <a:buNone/>
-              <a:defRPr sz="1800" kern="1200" cap="none">
-                <a:solidFill>
-                  <a:schemeClr val="tx1">
-                    <a:tint val="75000"/>
-                  </a:schemeClr>
-                </a:solidFill>
-                <a:effectLst/>
-                <a:latin typeface="+mn-lt"/>
-                <a:ea typeface="+mn-ea"/>
-                <a:cs typeface="+mn-cs"/>
-              </a:defRPr>
-            </a:lvl2pPr>
-            <a:lvl3pPr marL="914400" indent="0" algn="ctr" defTabSz="457200" rtl="0" eaLnBrk="1" latinLnBrk="0" hangingPunct="1">
-              <a:spcBef>
-                <a:spcPct val="20000"/>
-              </a:spcBef>
-              <a:spcAft>
-                <a:spcPts val="600"/>
-              </a:spcAft>
-              <a:buClr>
-                <a:schemeClr val="tx1"/>
-              </a:buClr>
-              <a:buSzPct val="80000"/>
-              <a:buFont typeface="Wingdings 3" panose="05040102010807070707" pitchFamily="18" charset="2"/>
-              <a:buNone/>
-              <a:defRPr sz="1600" kern="1200" cap="none">
-                <a:solidFill>
-                  <a:schemeClr val="tx1">
-                    <a:tint val="75000"/>
-                  </a:schemeClr>
-                </a:solidFill>
-                <a:effectLst/>
-                <a:latin typeface="+mn-lt"/>
-                <a:ea typeface="+mn-ea"/>
-                <a:cs typeface="+mn-cs"/>
-              </a:defRPr>
-            </a:lvl3pPr>
-            <a:lvl4pPr marL="1371600" indent="0" algn="ctr" defTabSz="457200" rtl="0" eaLnBrk="1" latinLnBrk="0" hangingPunct="1">
-              <a:spcBef>
-                <a:spcPct val="20000"/>
-              </a:spcBef>
-              <a:spcAft>
-                <a:spcPts val="600"/>
-              </a:spcAft>
-              <a:buClr>
-                <a:schemeClr val="tx1"/>
-              </a:buClr>
-              <a:buSzPct val="80000"/>
-              <a:buFont typeface="Wingdings 3" panose="05040102010807070707" pitchFamily="18" charset="2"/>
-              <a:buNone/>
-              <a:defRPr sz="1400" kern="1200" cap="none">
-                <a:solidFill>
-                  <a:schemeClr val="tx1">
-                    <a:tint val="75000"/>
-                  </a:schemeClr>
-                </a:solidFill>
-                <a:effectLst/>
-                <a:latin typeface="+mn-lt"/>
-                <a:ea typeface="+mn-ea"/>
-                <a:cs typeface="+mn-cs"/>
-              </a:defRPr>
-            </a:lvl4pPr>
-            <a:lvl5pPr marL="1828800" indent="0" algn="ctr" defTabSz="457200" rtl="0" eaLnBrk="1" latinLnBrk="0" hangingPunct="1">
-              <a:spcBef>
-                <a:spcPct val="20000"/>
-              </a:spcBef>
-              <a:spcAft>
-                <a:spcPts val="600"/>
-              </a:spcAft>
-              <a:buClr>
-                <a:schemeClr val="tx1"/>
-              </a:buClr>
-              <a:buSzPct val="80000"/>
-              <a:buFont typeface="Wingdings 3" panose="05040102010807070707" pitchFamily="18" charset="2"/>
-              <a:buNone/>
-              <a:defRPr sz="1400" kern="1200" cap="none">
-                <a:solidFill>
-                  <a:schemeClr val="tx1">
-                    <a:tint val="75000"/>
-                  </a:schemeClr>
-                </a:solidFill>
-                <a:effectLst/>
-                <a:latin typeface="+mn-lt"/>
-                <a:ea typeface="+mn-ea"/>
-                <a:cs typeface="+mn-cs"/>
-              </a:defRPr>
-            </a:lvl5pPr>
-            <a:lvl6pPr marL="2286000" indent="0" algn="ctr" defTabSz="457200" rtl="0" eaLnBrk="1" latinLnBrk="0" hangingPunct="1">
-              <a:spcBef>
-                <a:spcPct val="20000"/>
-              </a:spcBef>
-              <a:spcAft>
-                <a:spcPts val="600"/>
-              </a:spcAft>
-              <a:buClr>
-                <a:schemeClr val="tx1"/>
-              </a:buClr>
-              <a:buSzPct val="80000"/>
-              <a:buFont typeface="Wingdings 3" panose="05040102010807070707" pitchFamily="18" charset="2"/>
-              <a:buNone/>
-              <a:defRPr sz="1400" kern="1200" cap="none">
-                <a:solidFill>
-                  <a:schemeClr val="tx1">
-                    <a:tint val="75000"/>
-                  </a:schemeClr>
-                </a:solidFill>
-                <a:effectLst/>
-                <a:latin typeface="+mn-lt"/>
-                <a:ea typeface="+mn-ea"/>
-                <a:cs typeface="+mn-cs"/>
-              </a:defRPr>
-            </a:lvl6pPr>
-            <a:lvl7pPr marL="2743200" indent="0" algn="ctr" defTabSz="457200" rtl="0" eaLnBrk="1" latinLnBrk="0" hangingPunct="1">
-              <a:spcBef>
-                <a:spcPct val="20000"/>
-              </a:spcBef>
-              <a:spcAft>
-                <a:spcPts val="600"/>
-              </a:spcAft>
-              <a:buClr>
-                <a:schemeClr val="tx1"/>
-              </a:buClr>
-              <a:buSzPct val="80000"/>
-              <a:buFont typeface="Wingdings 3" panose="05040102010807070707" pitchFamily="18" charset="2"/>
-              <a:buNone/>
-              <a:defRPr sz="1400" kern="1200" cap="none">
-                <a:solidFill>
-                  <a:schemeClr val="tx1">
-                    <a:tint val="75000"/>
-                  </a:schemeClr>
-                </a:solidFill>
-                <a:effectLst/>
-                <a:latin typeface="+mn-lt"/>
-                <a:ea typeface="+mn-ea"/>
-                <a:cs typeface="+mn-cs"/>
-              </a:defRPr>
-            </a:lvl7pPr>
-            <a:lvl8pPr marL="3200400" indent="0" algn="ctr" defTabSz="457200" rtl="0" eaLnBrk="1" latinLnBrk="0" hangingPunct="1">
-              <a:spcBef>
-                <a:spcPct val="20000"/>
-              </a:spcBef>
-              <a:spcAft>
-                <a:spcPts val="600"/>
-              </a:spcAft>
-              <a:buClr>
-                <a:schemeClr val="tx1"/>
-              </a:buClr>
-              <a:buSzPct val="80000"/>
-              <a:buFont typeface="Wingdings 3" panose="05040102010807070707" pitchFamily="18" charset="2"/>
-              <a:buNone/>
-              <a:defRPr sz="1400" kern="1200" cap="none">
-                <a:solidFill>
-                  <a:schemeClr val="tx1">
-                    <a:tint val="75000"/>
-                  </a:schemeClr>
-                </a:solidFill>
-                <a:effectLst/>
-                <a:latin typeface="+mn-lt"/>
-                <a:ea typeface="+mn-ea"/>
-                <a:cs typeface="+mn-cs"/>
-              </a:defRPr>
-            </a:lvl8pPr>
-            <a:lvl9pPr marL="3657600" indent="0" algn="ctr" defTabSz="457200" rtl="0" eaLnBrk="1" latinLnBrk="0" hangingPunct="1">
-              <a:spcBef>
-                <a:spcPct val="20000"/>
-              </a:spcBef>
-              <a:spcAft>
-                <a:spcPts val="600"/>
-              </a:spcAft>
-              <a:buClr>
-                <a:schemeClr val="tx1"/>
-              </a:buClr>
-              <a:buSzPct val="80000"/>
-              <a:buFont typeface="Wingdings 3" panose="05040102010807070707" pitchFamily="18" charset="2"/>
-              <a:buNone/>
-              <a:defRPr sz="1400" kern="1200" cap="none">
-                <a:solidFill>
-                  <a:schemeClr val="tx1">
-                    <a:tint val="75000"/>
-                  </a:schemeClr>
-                </a:solidFill>
-                <a:effectLst/>
-                <a:latin typeface="+mn-lt"/>
-                <a:ea typeface="+mn-ea"/>
-                <a:cs typeface="+mn-cs"/>
-              </a:defRPr>
-            </a:lvl9pPr>
-          </a:lstStyle>
-          <a:p>
-            <a:pPr algn="ctr"/>
-            <a:r>
-              <a:rPr lang="en-US" dirty="0" smtClean="0">
-                <a:solidFill>
-                  <a:schemeClr val="tx1"/>
-                </a:solidFill>
-              </a:rPr>
-              <a:t>Admin</a:t>
-            </a:r>
-            <a:endParaRPr lang="en-US" dirty="0">
-              <a:solidFill>
-                <a:schemeClr val="tx1"/>
-              </a:solidFill>
-            </a:endParaRPr>
+          <a:lstStyle/>
+          <a:p>
+            <a:r>
+              <a:rPr lang="en-US" sz="2800" b="1" dirty="0" smtClean="0"/>
+              <a:t>	</a:t>
+            </a:r>
+            <a:r>
+              <a:rPr lang="en-US" sz="2800" b="1" dirty="0" smtClean="0"/>
+              <a:t>SERVER SIDE</a:t>
+            </a:r>
+            <a:endParaRPr lang="en-US" sz="2800" b="1" dirty="0" smtClean="0"/>
+          </a:p>
+          <a:p>
+            <a:pPr marL="342900" indent="-342900">
+              <a:buFont typeface="Wingdings" panose="05000000000000000000" pitchFamily="2" charset="2"/>
+              <a:buChar char="q"/>
+            </a:pPr>
+            <a:r>
+              <a:rPr lang="en-US" sz="3600" dirty="0" smtClean="0"/>
+              <a:t>NODE JS</a:t>
+            </a:r>
+          </a:p>
+          <a:p>
+            <a:pPr marL="342900" indent="-342900">
+              <a:buFont typeface="Wingdings" panose="05000000000000000000" pitchFamily="2" charset="2"/>
+              <a:buChar char="q"/>
+            </a:pPr>
+            <a:r>
+              <a:rPr lang="en-US" sz="3600" dirty="0" smtClean="0"/>
+              <a:t>EXPRESS JS</a:t>
+            </a:r>
+          </a:p>
+          <a:p>
+            <a:pPr marL="342900" indent="-342900">
+              <a:buFont typeface="Wingdings" panose="05000000000000000000" pitchFamily="2" charset="2"/>
+              <a:buChar char="q"/>
+            </a:pPr>
+            <a:r>
+              <a:rPr lang="en-US" sz="3600" dirty="0" smtClean="0"/>
+              <a:t>MONGODB</a:t>
+            </a:r>
+          </a:p>
+          <a:p>
+            <a:pPr marL="342900" indent="-342900">
+              <a:buFont typeface="Wingdings" panose="05000000000000000000" pitchFamily="2" charset="2"/>
+              <a:buChar char="q"/>
+            </a:pPr>
+            <a:r>
+              <a:rPr lang="en-US" sz="3600" dirty="0" smtClean="0"/>
+              <a:t>SOCKET IO</a:t>
+            </a:r>
+          </a:p>
+          <a:p>
+            <a:pPr marL="342900" indent="-342900">
+              <a:buFont typeface="Wingdings" panose="05000000000000000000" pitchFamily="2" charset="2"/>
+              <a:buChar char="q"/>
+            </a:pPr>
+            <a:r>
+              <a:rPr lang="en-US" sz="3600" dirty="0" smtClean="0"/>
+              <a:t>RESTful API Services</a:t>
+            </a:r>
+            <a:endParaRPr lang="en-US" sz="3600" dirty="0"/>
           </a:p>
         </p:txBody>
       </p:sp>
     </p:spTree>
     <p:extLst>
       <p:ext uri="{BB962C8B-B14F-4D97-AF65-F5344CB8AC3E}">
-        <p14:creationId xmlns:p14="http://schemas.microsoft.com/office/powerpoint/2010/main" val="1174029271"/>
+        <p14:creationId xmlns:p14="http://schemas.microsoft.com/office/powerpoint/2010/main" val="2959596146"/>
       </p:ext>
     </p:extLst>
   </p:cSld>
@@ -7675,509 +5721,6 @@
         </p:nvSpPr>
         <p:spPr>
           <a:xfrm>
-            <a:off x="684212" y="685799"/>
-            <a:ext cx="8001000" cy="946053"/>
-          </a:xfrm>
-        </p:spPr>
-        <p:txBody>
-          <a:bodyPr>
-            <a:normAutofit fontScale="90000"/>
-          </a:bodyPr>
-          <a:lstStyle/>
-          <a:p>
-            <a:r>
-              <a:rPr lang="en-US" dirty="0" smtClean="0"/>
-              <a:t>DATA COLLECTION METHOD</a:t>
-            </a:r>
-            <a:endParaRPr lang="en-US" dirty="0"/>
-          </a:p>
-        </p:txBody>
-      </p:sp>
-      <p:sp>
-        <p:nvSpPr>
-          <p:cNvPr id="3" name="Subtitle 2"/>
-          <p:cNvSpPr>
-            <a:spLocks noGrp="1"/>
-          </p:cNvSpPr>
-          <p:nvPr>
-            <p:ph type="subTitle" idx="1"/>
-          </p:nvPr>
-        </p:nvSpPr>
-        <p:spPr>
-          <a:xfrm>
-            <a:off x="684212" y="1925491"/>
-            <a:ext cx="10571923" cy="2630657"/>
-          </a:xfrm>
-        </p:spPr>
-        <p:txBody>
-          <a:bodyPr>
-            <a:normAutofit/>
-          </a:bodyPr>
-          <a:lstStyle/>
-          <a:p>
-            <a:r>
-              <a:rPr lang="en-US" sz="5400" dirty="0" smtClean="0"/>
-              <a:t>Primary data collection method</a:t>
-            </a:r>
-            <a:endParaRPr lang="en-US" sz="5400" dirty="0"/>
-          </a:p>
-        </p:txBody>
-      </p:sp>
-    </p:spTree>
-    <p:extLst>
-      <p:ext uri="{BB962C8B-B14F-4D97-AF65-F5344CB8AC3E}">
-        <p14:creationId xmlns:p14="http://schemas.microsoft.com/office/powerpoint/2010/main" val="243089215"/>
-      </p:ext>
-    </p:extLst>
-  </p:cSld>
-  <p:clrMapOvr>
-    <a:masterClrMapping/>
-  </p:clrMapOvr>
-  <p:timing>
-    <p:tnLst>
-      <p:par>
-        <p:cTn id="1" dur="indefinite" restart="never" nodeType="tmRoot"/>
-      </p:par>
-    </p:tnLst>
-  </p:timing>
-</p:sld>
-</file>
-
-<file path=ppt/slides/slide13.xml><?xml version="1.0" encoding="utf-8"?>
-<p:sld xmlns:a="http://schemas.openxmlformats.org/drawingml/2006/main" xmlns:r="http://schemas.openxmlformats.org/officeDocument/2006/relationships" xmlns:p="http://schemas.openxmlformats.org/presentationml/2006/main">
-  <p:cSld>
-    <p:spTree>
-      <p:nvGrpSpPr>
-        <p:cNvPr id="1" name=""/>
-        <p:cNvGrpSpPr/>
-        <p:nvPr/>
-      </p:nvGrpSpPr>
-      <p:grpSpPr>
-        <a:xfrm>
-          <a:off x="0" y="0"/>
-          <a:ext cx="0" cy="0"/>
-          <a:chOff x="0" y="0"/>
-          <a:chExt cx="0" cy="0"/>
-        </a:xfrm>
-      </p:grpSpPr>
-      <p:sp>
-        <p:nvSpPr>
-          <p:cNvPr id="2" name="Title 1"/>
-          <p:cNvSpPr>
-            <a:spLocks noGrp="1"/>
-          </p:cNvSpPr>
-          <p:nvPr>
-            <p:ph type="ctrTitle"/>
-          </p:nvPr>
-        </p:nvSpPr>
-        <p:spPr>
-          <a:xfrm>
-            <a:off x="684212" y="685799"/>
-            <a:ext cx="8001000" cy="791309"/>
-          </a:xfrm>
-        </p:spPr>
-        <p:txBody>
-          <a:bodyPr>
-            <a:normAutofit fontScale="90000"/>
-          </a:bodyPr>
-          <a:lstStyle/>
-          <a:p>
-            <a:r>
-              <a:rPr lang="en-US" dirty="0" smtClean="0"/>
-              <a:t>DATABASE SCHEMA</a:t>
-            </a:r>
-            <a:endParaRPr lang="en-US" dirty="0"/>
-          </a:p>
-        </p:txBody>
-      </p:sp>
-      <p:sp>
-        <p:nvSpPr>
-          <p:cNvPr id="3" name="Subtitle 2"/>
-          <p:cNvSpPr>
-            <a:spLocks noGrp="1"/>
-          </p:cNvSpPr>
-          <p:nvPr>
-            <p:ph type="subTitle" idx="1"/>
-          </p:nvPr>
-        </p:nvSpPr>
-        <p:spPr>
-          <a:xfrm>
-            <a:off x="684212" y="1744394"/>
-            <a:ext cx="9120970" cy="4431323"/>
-          </a:xfrm>
-        </p:spPr>
-        <p:txBody>
-          <a:bodyPr>
-            <a:normAutofit/>
-          </a:bodyPr>
-          <a:lstStyle/>
-          <a:p>
-            <a:r>
-              <a:rPr lang="en-US" sz="2800" dirty="0" smtClean="0"/>
-              <a:t>				Straight from the docs…</a:t>
-            </a:r>
-          </a:p>
-          <a:p>
-            <a:r>
-              <a:rPr lang="en-US" sz="2800" dirty="0" smtClean="0"/>
-              <a:t>…NoSQL </a:t>
-            </a:r>
-            <a:r>
-              <a:rPr lang="en-US" sz="2800" dirty="0"/>
-              <a:t>databases are built to allow the insertion of data </a:t>
-            </a:r>
-            <a:r>
-              <a:rPr lang="en-US" sz="2800" b="1" dirty="0">
-                <a:solidFill>
-                  <a:srgbClr val="FF0000"/>
-                </a:solidFill>
-              </a:rPr>
-              <a:t>without a predefined schema</a:t>
-            </a:r>
-            <a:r>
-              <a:rPr lang="en-US" sz="2800" dirty="0"/>
-              <a:t>. That makes it easy to make significant application changes in real-time, without worrying about service interruptions – which means development is faster, code integration is more reliable, and less database administrator time is needed. </a:t>
-            </a:r>
-            <a:r>
-              <a:rPr lang="en-US" sz="2800" b="1" dirty="0"/>
-              <a:t>(MongoDB, 2007)</a:t>
-            </a:r>
-            <a:endParaRPr lang="en-US" sz="2800" dirty="0"/>
-          </a:p>
-        </p:txBody>
-      </p:sp>
-    </p:spTree>
-    <p:extLst>
-      <p:ext uri="{BB962C8B-B14F-4D97-AF65-F5344CB8AC3E}">
-        <p14:creationId xmlns:p14="http://schemas.microsoft.com/office/powerpoint/2010/main" val="2862785159"/>
-      </p:ext>
-    </p:extLst>
-  </p:cSld>
-  <p:clrMapOvr>
-    <a:masterClrMapping/>
-  </p:clrMapOvr>
-  <p:timing>
-    <p:tnLst>
-      <p:par>
-        <p:cTn id="1" dur="indefinite" restart="never" nodeType="tmRoot"/>
-      </p:par>
-    </p:tnLst>
-  </p:timing>
-</p:sld>
-</file>
-
-<file path=ppt/slides/slide14.xml><?xml version="1.0" encoding="utf-8"?>
-<p:sld xmlns:a="http://schemas.openxmlformats.org/drawingml/2006/main" xmlns:r="http://schemas.openxmlformats.org/officeDocument/2006/relationships" xmlns:p="http://schemas.openxmlformats.org/presentationml/2006/main">
-  <p:cSld>
-    <p:spTree>
-      <p:nvGrpSpPr>
-        <p:cNvPr id="1" name=""/>
-        <p:cNvGrpSpPr/>
-        <p:nvPr/>
-      </p:nvGrpSpPr>
-      <p:grpSpPr>
-        <a:xfrm>
-          <a:off x="0" y="0"/>
-          <a:ext cx="0" cy="0"/>
-          <a:chOff x="0" y="0"/>
-          <a:chExt cx="0" cy="0"/>
-        </a:xfrm>
-      </p:grpSpPr>
-      <p:sp>
-        <p:nvSpPr>
-          <p:cNvPr id="2" name="Title 1"/>
-          <p:cNvSpPr>
-            <a:spLocks noGrp="1"/>
-          </p:cNvSpPr>
-          <p:nvPr>
-            <p:ph type="ctrTitle"/>
-          </p:nvPr>
-        </p:nvSpPr>
-        <p:spPr>
-          <a:xfrm>
-            <a:off x="796753" y="376310"/>
-            <a:ext cx="8001000" cy="931985"/>
-          </a:xfrm>
-        </p:spPr>
-        <p:txBody>
-          <a:bodyPr/>
-          <a:lstStyle/>
-          <a:p>
-            <a:r>
-              <a:rPr lang="en-US" dirty="0" smtClean="0"/>
-              <a:t>TECHNOLOGIES USED</a:t>
-            </a:r>
-            <a:endParaRPr lang="en-US" dirty="0"/>
-          </a:p>
-        </p:txBody>
-      </p:sp>
-      <p:sp>
-        <p:nvSpPr>
-          <p:cNvPr id="3" name="Subtitle 2"/>
-          <p:cNvSpPr>
-            <a:spLocks noGrp="1"/>
-          </p:cNvSpPr>
-          <p:nvPr>
-            <p:ph type="subTitle" idx="1"/>
-          </p:nvPr>
-        </p:nvSpPr>
-        <p:spPr>
-          <a:xfrm>
-            <a:off x="684211" y="1308295"/>
-            <a:ext cx="8501991" cy="4684541"/>
-          </a:xfrm>
-        </p:spPr>
-        <p:txBody>
-          <a:bodyPr>
-            <a:normAutofit/>
-          </a:bodyPr>
-          <a:lstStyle/>
-          <a:p>
-            <a:r>
-              <a:rPr lang="en-US" dirty="0" smtClean="0"/>
-              <a:t>	</a:t>
-            </a:r>
-            <a:r>
-              <a:rPr lang="en-US" sz="2800" b="1" dirty="0" smtClean="0"/>
-              <a:t>FRONTEND </a:t>
-            </a:r>
-          </a:p>
-          <a:p>
-            <a:pPr marL="342900" indent="-342900">
-              <a:buFont typeface="Wingdings" panose="05000000000000000000" pitchFamily="2" charset="2"/>
-              <a:buChar char="q"/>
-            </a:pPr>
-            <a:r>
-              <a:rPr lang="en-US" sz="3600" dirty="0" smtClean="0"/>
-              <a:t>HTML</a:t>
-            </a:r>
-          </a:p>
-          <a:p>
-            <a:pPr marL="342900" indent="-342900">
-              <a:buFont typeface="Wingdings" panose="05000000000000000000" pitchFamily="2" charset="2"/>
-              <a:buChar char="q"/>
-            </a:pPr>
-            <a:r>
-              <a:rPr lang="en-US" sz="3600" dirty="0" smtClean="0"/>
-              <a:t>CSS</a:t>
-            </a:r>
-          </a:p>
-          <a:p>
-            <a:pPr marL="342900" indent="-342900">
-              <a:buFont typeface="Wingdings" panose="05000000000000000000" pitchFamily="2" charset="2"/>
-              <a:buChar char="q"/>
-            </a:pPr>
-            <a:r>
-              <a:rPr lang="en-US" sz="3600" dirty="0" smtClean="0"/>
-              <a:t>JAVASCRIPT</a:t>
-            </a:r>
-          </a:p>
-          <a:p>
-            <a:pPr marL="342900" indent="-342900">
-              <a:buFont typeface="Wingdings" panose="05000000000000000000" pitchFamily="2" charset="2"/>
-              <a:buChar char="q"/>
-            </a:pPr>
-            <a:r>
-              <a:rPr lang="en-US" sz="3600" dirty="0" smtClean="0"/>
-              <a:t>ANGULAR JS</a:t>
-            </a:r>
-          </a:p>
-        </p:txBody>
-      </p:sp>
-    </p:spTree>
-    <p:extLst>
-      <p:ext uri="{BB962C8B-B14F-4D97-AF65-F5344CB8AC3E}">
-        <p14:creationId xmlns:p14="http://schemas.microsoft.com/office/powerpoint/2010/main" val="1827556510"/>
-      </p:ext>
-    </p:extLst>
-  </p:cSld>
-  <p:clrMapOvr>
-    <a:masterClrMapping/>
-  </p:clrMapOvr>
-  <p:timing>
-    <p:tnLst>
-      <p:par>
-        <p:cTn id="1" dur="indefinite" restart="never" nodeType="tmRoot"/>
-      </p:par>
-    </p:tnLst>
-  </p:timing>
-</p:sld>
-</file>
-
-<file path=ppt/slides/slide15.xml><?xml version="1.0" encoding="utf-8"?>
-<p:sld xmlns:a="http://schemas.openxmlformats.org/drawingml/2006/main" xmlns:r="http://schemas.openxmlformats.org/officeDocument/2006/relationships" xmlns:p="http://schemas.openxmlformats.org/presentationml/2006/main">
-  <p:cSld>
-    <p:spTree>
-      <p:nvGrpSpPr>
-        <p:cNvPr id="1" name=""/>
-        <p:cNvGrpSpPr/>
-        <p:nvPr/>
-      </p:nvGrpSpPr>
-      <p:grpSpPr>
-        <a:xfrm>
-          <a:off x="0" y="0"/>
-          <a:ext cx="0" cy="0"/>
-          <a:chOff x="0" y="0"/>
-          <a:chExt cx="0" cy="0"/>
-        </a:xfrm>
-      </p:grpSpPr>
-      <p:sp>
-        <p:nvSpPr>
-          <p:cNvPr id="5" name="Title 1"/>
-          <p:cNvSpPr>
-            <a:spLocks noGrp="1"/>
-          </p:cNvSpPr>
-          <p:nvPr>
-            <p:ph type="ctrTitle"/>
-          </p:nvPr>
-        </p:nvSpPr>
-        <p:spPr>
-          <a:xfrm>
-            <a:off x="796753" y="376310"/>
-            <a:ext cx="8001000" cy="931985"/>
-          </a:xfrm>
-        </p:spPr>
-        <p:txBody>
-          <a:bodyPr/>
-          <a:lstStyle/>
-          <a:p>
-            <a:r>
-              <a:rPr lang="en-US" dirty="0" smtClean="0"/>
-              <a:t>TECHNOLOGIES USED</a:t>
-            </a:r>
-            <a:endParaRPr lang="en-US" dirty="0"/>
-          </a:p>
-        </p:txBody>
-      </p:sp>
-      <p:sp>
-        <p:nvSpPr>
-          <p:cNvPr id="6" name="Subtitle 2"/>
-          <p:cNvSpPr>
-            <a:spLocks noGrp="1"/>
-          </p:cNvSpPr>
-          <p:nvPr>
-            <p:ph type="subTitle" idx="1"/>
-          </p:nvPr>
-        </p:nvSpPr>
-        <p:spPr>
-          <a:xfrm>
-            <a:off x="684211" y="1308295"/>
-            <a:ext cx="8501991" cy="4684541"/>
-          </a:xfrm>
-        </p:spPr>
-        <p:txBody>
-          <a:bodyPr>
-            <a:normAutofit/>
-          </a:bodyPr>
-          <a:lstStyle/>
-          <a:p>
-            <a:r>
-              <a:rPr lang="en-US" sz="2800" b="1" dirty="0" smtClean="0"/>
-              <a:t>	BACKEND</a:t>
-            </a:r>
-          </a:p>
-          <a:p>
-            <a:pPr marL="342900" indent="-342900">
-              <a:buFont typeface="Wingdings" panose="05000000000000000000" pitchFamily="2" charset="2"/>
-              <a:buChar char="q"/>
-            </a:pPr>
-            <a:r>
-              <a:rPr lang="en-US" sz="3600" dirty="0" smtClean="0"/>
-              <a:t>NODE JS</a:t>
-            </a:r>
-          </a:p>
-          <a:p>
-            <a:pPr marL="342900" indent="-342900">
-              <a:buFont typeface="Wingdings" panose="05000000000000000000" pitchFamily="2" charset="2"/>
-              <a:buChar char="q"/>
-            </a:pPr>
-            <a:r>
-              <a:rPr lang="en-US" sz="3600" dirty="0" smtClean="0"/>
-              <a:t>EXPRESS JS</a:t>
-            </a:r>
-          </a:p>
-          <a:p>
-            <a:pPr marL="342900" indent="-342900">
-              <a:buFont typeface="Wingdings" panose="05000000000000000000" pitchFamily="2" charset="2"/>
-              <a:buChar char="q"/>
-            </a:pPr>
-            <a:r>
-              <a:rPr lang="en-US" sz="3600" dirty="0" smtClean="0"/>
-              <a:t>MONGODB</a:t>
-            </a:r>
-          </a:p>
-          <a:p>
-            <a:pPr marL="342900" indent="-342900">
-              <a:buFont typeface="Wingdings" panose="05000000000000000000" pitchFamily="2" charset="2"/>
-              <a:buChar char="q"/>
-            </a:pPr>
-            <a:r>
-              <a:rPr lang="en-US" sz="3600" dirty="0" smtClean="0"/>
-              <a:t>SOCKET IO</a:t>
-            </a:r>
-          </a:p>
-          <a:p>
-            <a:pPr marL="342900" indent="-342900">
-              <a:buFont typeface="Wingdings" panose="05000000000000000000" pitchFamily="2" charset="2"/>
-              <a:buChar char="q"/>
-            </a:pPr>
-            <a:r>
-              <a:rPr lang="en-US" sz="3600" dirty="0" smtClean="0"/>
-              <a:t>RESTful API Services</a:t>
-            </a:r>
-            <a:endParaRPr lang="en-US" sz="3600" dirty="0"/>
-          </a:p>
-        </p:txBody>
-      </p:sp>
-    </p:spTree>
-    <p:extLst>
-      <p:ext uri="{BB962C8B-B14F-4D97-AF65-F5344CB8AC3E}">
-        <p14:creationId xmlns:p14="http://schemas.microsoft.com/office/powerpoint/2010/main" val="2959596146"/>
-      </p:ext>
-    </p:extLst>
-  </p:cSld>
-  <p:clrMapOvr>
-    <a:masterClrMapping/>
-  </p:clrMapOvr>
-  <p:timing>
-    <p:tnLst>
-      <p:par>
-        <p:cTn id="1" dur="indefinite" restart="never" nodeType="tmRoot"/>
-      </p:par>
-    </p:tnLst>
-  </p:timing>
-</p:sld>
-</file>
-
-<file path=ppt/slides/slide16.xml><?xml version="1.0" encoding="utf-8"?>
-<p:sld xmlns:a="http://schemas.openxmlformats.org/drawingml/2006/main" xmlns:r="http://schemas.openxmlformats.org/officeDocument/2006/relationships" xmlns:p="http://schemas.openxmlformats.org/presentationml/2006/main">
-  <p:cSld>
-    <p:spTree>
-      <p:nvGrpSpPr>
-        <p:cNvPr id="1" name=""/>
-        <p:cNvGrpSpPr/>
-        <p:nvPr/>
-      </p:nvGrpSpPr>
-      <p:grpSpPr>
-        <a:xfrm>
-          <a:off x="0" y="0"/>
-          <a:ext cx="0" cy="0"/>
-          <a:chOff x="0" y="0"/>
-          <a:chExt cx="0" cy="0"/>
-        </a:xfrm>
-      </p:grpSpPr>
-      <p:sp>
-        <p:nvSpPr>
-          <p:cNvPr id="2" name="Title 1"/>
-          <p:cNvSpPr>
-            <a:spLocks noGrp="1"/>
-          </p:cNvSpPr>
-          <p:nvPr>
-            <p:ph type="ctrTitle"/>
-          </p:nvPr>
-        </p:nvSpPr>
-        <p:spPr>
-          <a:xfrm>
             <a:off x="1431185" y="672920"/>
             <a:ext cx="9451461" cy="666483"/>
           </a:xfrm>
@@ -8228,8 +5771,13 @@
             </a:pPr>
             <a:r>
               <a:rPr lang="en-US" sz="4000" dirty="0" smtClean="0"/>
-              <a:t>Security is not highly enforced</a:t>
-            </a:r>
+              <a:t>Security is not highly </a:t>
+            </a:r>
+            <a:r>
+              <a:rPr lang="en-US" sz="4000" dirty="0" smtClean="0"/>
+              <a:t>enforced</a:t>
+            </a:r>
+            <a:endParaRPr lang="en-US" sz="4000" dirty="0" smtClean="0"/>
           </a:p>
           <a:p>
             <a:pPr marL="342900" indent="-342900">
@@ -8238,15 +5786,11 @@
             </a:pPr>
             <a:r>
               <a:rPr lang="en-US" sz="4000" dirty="0" smtClean="0"/>
-              <a:t>The application needs much optimization when it goes live on the internet (</a:t>
-            </a:r>
-            <a:r>
-              <a:rPr lang="en-US" sz="4000" dirty="0" err="1" smtClean="0"/>
-              <a:t>Perfomance</a:t>
+              <a:t>The application needs much optimization when it goes live on the internet (Performance </a:t>
             </a:r>
             <a:r>
               <a:rPr lang="en-US" sz="4000" dirty="0" smtClean="0"/>
-              <a:t> issues)</a:t>
+              <a:t>issues</a:t>
             </a:r>
           </a:p>
           <a:p>
@@ -8256,8 +5800,9 @@
             </a:pPr>
             <a:r>
               <a:rPr lang="en-US" sz="4000" dirty="0" smtClean="0"/>
-              <a:t>The UI is terrible, because I’m bad at it</a:t>
-            </a:r>
+              <a:t>Learning to code while building the app</a:t>
+            </a:r>
+            <a:endParaRPr lang="en-US" sz="4000" dirty="0" smtClean="0"/>
           </a:p>
         </p:txBody>
       </p:sp>
@@ -8274,7 +5819,7 @@
 </p:sld>
 </file>
 
-<file path=ppt/slides/slide17.xml><?xml version="1.0" encoding="utf-8"?>
+<file path=ppt/slides/slide13.xml><?xml version="1.0" encoding="utf-8"?>
 <p:sld xmlns:a="http://schemas.openxmlformats.org/drawingml/2006/main" xmlns:r="http://schemas.openxmlformats.org/officeDocument/2006/relationships" xmlns:p="http://schemas.openxmlformats.org/presentationml/2006/main">
   <p:cSld>
     <p:spTree>
@@ -8360,48 +5905,270 @@
       </p:grpSpPr>
       <p:sp>
         <p:nvSpPr>
-          <p:cNvPr id="3" name="Subtitle 2"/>
-          <p:cNvSpPr>
-            <a:spLocks noGrp="1"/>
-          </p:cNvSpPr>
-          <p:nvPr>
-            <p:ph type="subTitle" idx="1"/>
-          </p:nvPr>
+          <p:cNvPr id="5" name="Subtitle 2"/>
+          <p:cNvSpPr txBox="1">
+            <a:spLocks/>
+          </p:cNvSpPr>
+          <p:nvPr/>
         </p:nvSpPr>
         <p:spPr>
           <a:xfrm>
-            <a:off x="726415" y="1406770"/>
+            <a:off x="803689" y="1909045"/>
             <a:ext cx="10218250" cy="3362178"/>
           </a:xfrm>
-        </p:spPr>
-        <p:txBody>
-          <a:bodyPr>
+          <a:prstGeom prst="rect">
+            <a:avLst/>
+          </a:prstGeom>
+        </p:spPr>
+        <p:txBody>
+          <a:bodyPr vert="horz" lIns="91440" tIns="45720" rIns="91440" bIns="45720" rtlCol="0" anchor="ctr">
             <a:noAutofit/>
           </a:bodyPr>
-          <a:lstStyle/>
-          <a:p>
-            <a:r>
-              <a:rPr lang="en-US" sz="4000" dirty="0" smtClean="0"/>
-              <a:t>	Hospitals </a:t>
-            </a:r>
-            <a:r>
-              <a:rPr lang="en-US" sz="4000" dirty="0"/>
-              <a:t>are essential part of our lives, providing us with medical facilities. It is necessary for the hospitals to keep track of its daily activities &amp; records of its patients, doctors, nurses, and other staff so that there will be smooth running of the institution</a:t>
-            </a:r>
-            <a:endParaRPr lang="en-US" sz="4000" dirty="0"/>
-          </a:p>
-        </p:txBody>
-      </p:sp>
-      <p:sp>
-        <p:nvSpPr>
-          <p:cNvPr id="5" name="TextBox 4"/>
+          <a:lstStyle>
+            <a:lvl1pPr marL="285750" indent="-285750" algn="l" defTabSz="457200" rtl="0" eaLnBrk="1" latinLnBrk="0" hangingPunct="1">
+              <a:spcBef>
+                <a:spcPct val="20000"/>
+              </a:spcBef>
+              <a:spcAft>
+                <a:spcPts val="600"/>
+              </a:spcAft>
+              <a:buClr>
+                <a:schemeClr val="tx1"/>
+              </a:buClr>
+              <a:buSzPct val="80000"/>
+              <a:buFont typeface="Wingdings 3" panose="05040102010807070707" pitchFamily="18" charset="2"/>
+              <a:buChar char=""/>
+              <a:defRPr sz="2000" kern="1200" cap="none">
+                <a:solidFill>
+                  <a:schemeClr val="bg2">
+                    <a:lumMod val="75000"/>
+                  </a:schemeClr>
+                </a:solidFill>
+                <a:effectLst/>
+                <a:latin typeface="+mn-lt"/>
+                <a:ea typeface="+mn-ea"/>
+                <a:cs typeface="+mn-cs"/>
+              </a:defRPr>
+            </a:lvl1pPr>
+            <a:lvl2pPr marL="742950" indent="-285750" algn="l" defTabSz="457200" rtl="0" eaLnBrk="1" latinLnBrk="0" hangingPunct="1">
+              <a:spcBef>
+                <a:spcPct val="20000"/>
+              </a:spcBef>
+              <a:spcAft>
+                <a:spcPts val="600"/>
+              </a:spcAft>
+              <a:buClr>
+                <a:schemeClr val="tx1"/>
+              </a:buClr>
+              <a:buSzPct val="80000"/>
+              <a:buFont typeface="Wingdings 3" panose="05040102010807070707" pitchFamily="18" charset="2"/>
+              <a:buChar char=""/>
+              <a:defRPr sz="1800" kern="1200" cap="none">
+                <a:solidFill>
+                  <a:schemeClr val="bg2">
+                    <a:lumMod val="75000"/>
+                  </a:schemeClr>
+                </a:solidFill>
+                <a:effectLst/>
+                <a:latin typeface="+mn-lt"/>
+                <a:ea typeface="+mn-ea"/>
+                <a:cs typeface="+mn-cs"/>
+              </a:defRPr>
+            </a:lvl2pPr>
+            <a:lvl3pPr marL="1200150" indent="-285750" algn="l" defTabSz="457200" rtl="0" eaLnBrk="1" latinLnBrk="0" hangingPunct="1">
+              <a:spcBef>
+                <a:spcPct val="20000"/>
+              </a:spcBef>
+              <a:spcAft>
+                <a:spcPts val="600"/>
+              </a:spcAft>
+              <a:buClr>
+                <a:schemeClr val="tx1"/>
+              </a:buClr>
+              <a:buSzPct val="80000"/>
+              <a:buFont typeface="Wingdings 3" panose="05040102010807070707" pitchFamily="18" charset="2"/>
+              <a:buChar char=""/>
+              <a:defRPr sz="1600" kern="1200" cap="none">
+                <a:solidFill>
+                  <a:schemeClr val="bg2">
+                    <a:lumMod val="75000"/>
+                  </a:schemeClr>
+                </a:solidFill>
+                <a:effectLst/>
+                <a:latin typeface="+mn-lt"/>
+                <a:ea typeface="+mn-ea"/>
+                <a:cs typeface="+mn-cs"/>
+              </a:defRPr>
+            </a:lvl3pPr>
+            <a:lvl4pPr marL="1543050" indent="-171450" algn="l" defTabSz="457200" rtl="0" eaLnBrk="1" latinLnBrk="0" hangingPunct="1">
+              <a:spcBef>
+                <a:spcPct val="20000"/>
+              </a:spcBef>
+              <a:spcAft>
+                <a:spcPts val="600"/>
+              </a:spcAft>
+              <a:buClr>
+                <a:schemeClr val="tx1"/>
+              </a:buClr>
+              <a:buSzPct val="80000"/>
+              <a:buFont typeface="Wingdings 3" panose="05040102010807070707" pitchFamily="18" charset="2"/>
+              <a:buChar char=""/>
+              <a:defRPr sz="1400" kern="1200" cap="none">
+                <a:solidFill>
+                  <a:schemeClr val="bg2">
+                    <a:lumMod val="75000"/>
+                  </a:schemeClr>
+                </a:solidFill>
+                <a:effectLst/>
+                <a:latin typeface="+mn-lt"/>
+                <a:ea typeface="+mn-ea"/>
+                <a:cs typeface="+mn-cs"/>
+              </a:defRPr>
+            </a:lvl4pPr>
+            <a:lvl5pPr marL="2000250" indent="-171450" algn="l" defTabSz="457200" rtl="0" eaLnBrk="1" latinLnBrk="0" hangingPunct="1">
+              <a:spcBef>
+                <a:spcPct val="20000"/>
+              </a:spcBef>
+              <a:spcAft>
+                <a:spcPts val="600"/>
+              </a:spcAft>
+              <a:buClr>
+                <a:schemeClr val="tx1"/>
+              </a:buClr>
+              <a:buSzPct val="80000"/>
+              <a:buFont typeface="Wingdings 3" panose="05040102010807070707" pitchFamily="18" charset="2"/>
+              <a:buChar char=""/>
+              <a:defRPr sz="1400" kern="1200" cap="none">
+                <a:solidFill>
+                  <a:schemeClr val="bg2">
+                    <a:lumMod val="75000"/>
+                  </a:schemeClr>
+                </a:solidFill>
+                <a:effectLst/>
+                <a:latin typeface="+mn-lt"/>
+                <a:ea typeface="+mn-ea"/>
+                <a:cs typeface="+mn-cs"/>
+              </a:defRPr>
+            </a:lvl5pPr>
+            <a:lvl6pPr marL="2514600" indent="-228600" algn="l" defTabSz="457200" rtl="0" eaLnBrk="1" latinLnBrk="0" hangingPunct="1">
+              <a:spcBef>
+                <a:spcPct val="20000"/>
+              </a:spcBef>
+              <a:spcAft>
+                <a:spcPts val="600"/>
+              </a:spcAft>
+              <a:buClr>
+                <a:schemeClr val="tx1"/>
+              </a:buClr>
+              <a:buSzPct val="80000"/>
+              <a:buFont typeface="Wingdings 3" panose="05040102010807070707" pitchFamily="18" charset="2"/>
+              <a:buChar char=""/>
+              <a:defRPr sz="1400" kern="1200" cap="none">
+                <a:solidFill>
+                  <a:schemeClr val="bg2">
+                    <a:lumMod val="75000"/>
+                  </a:schemeClr>
+                </a:solidFill>
+                <a:effectLst/>
+                <a:latin typeface="+mn-lt"/>
+                <a:ea typeface="+mn-ea"/>
+                <a:cs typeface="+mn-cs"/>
+              </a:defRPr>
+            </a:lvl6pPr>
+            <a:lvl7pPr marL="2971800" indent="-228600" algn="l" defTabSz="457200" rtl="0" eaLnBrk="1" latinLnBrk="0" hangingPunct="1">
+              <a:spcBef>
+                <a:spcPct val="20000"/>
+              </a:spcBef>
+              <a:spcAft>
+                <a:spcPts val="600"/>
+              </a:spcAft>
+              <a:buClr>
+                <a:schemeClr val="tx1"/>
+              </a:buClr>
+              <a:buSzPct val="80000"/>
+              <a:buFont typeface="Wingdings 3" panose="05040102010807070707" pitchFamily="18" charset="2"/>
+              <a:buChar char=""/>
+              <a:defRPr sz="1400" kern="1200" cap="none">
+                <a:solidFill>
+                  <a:schemeClr val="bg2">
+                    <a:lumMod val="75000"/>
+                  </a:schemeClr>
+                </a:solidFill>
+                <a:effectLst/>
+                <a:latin typeface="+mn-lt"/>
+                <a:ea typeface="+mn-ea"/>
+                <a:cs typeface="+mn-cs"/>
+              </a:defRPr>
+            </a:lvl7pPr>
+            <a:lvl8pPr marL="3429000" indent="-228600" algn="l" defTabSz="457200" rtl="0" eaLnBrk="1" latinLnBrk="0" hangingPunct="1">
+              <a:spcBef>
+                <a:spcPct val="20000"/>
+              </a:spcBef>
+              <a:spcAft>
+                <a:spcPts val="600"/>
+              </a:spcAft>
+              <a:buClr>
+                <a:schemeClr val="tx1"/>
+              </a:buClr>
+              <a:buSzPct val="80000"/>
+              <a:buFont typeface="Wingdings 3" panose="05040102010807070707" pitchFamily="18" charset="2"/>
+              <a:buChar char=""/>
+              <a:defRPr sz="1400" kern="1200" cap="none">
+                <a:solidFill>
+                  <a:schemeClr val="bg2">
+                    <a:lumMod val="75000"/>
+                  </a:schemeClr>
+                </a:solidFill>
+                <a:effectLst/>
+                <a:latin typeface="+mn-lt"/>
+                <a:ea typeface="+mn-ea"/>
+                <a:cs typeface="+mn-cs"/>
+              </a:defRPr>
+            </a:lvl8pPr>
+            <a:lvl9pPr marL="3886200" indent="-228600" algn="l" defTabSz="457200" rtl="0" eaLnBrk="1" latinLnBrk="0" hangingPunct="1">
+              <a:spcBef>
+                <a:spcPct val="20000"/>
+              </a:spcBef>
+              <a:spcAft>
+                <a:spcPts val="600"/>
+              </a:spcAft>
+              <a:buClr>
+                <a:schemeClr val="tx1"/>
+              </a:buClr>
+              <a:buSzPct val="80000"/>
+              <a:buFont typeface="Wingdings 3" panose="05040102010807070707" pitchFamily="18" charset="2"/>
+              <a:buChar char=""/>
+              <a:defRPr sz="1400" kern="1200" cap="none">
+                <a:solidFill>
+                  <a:schemeClr val="bg2">
+                    <a:lumMod val="75000"/>
+                  </a:schemeClr>
+                </a:solidFill>
+                <a:effectLst/>
+                <a:latin typeface="+mn-lt"/>
+                <a:ea typeface="+mn-ea"/>
+                <a:cs typeface="+mn-cs"/>
+              </a:defRPr>
+            </a:lvl9pPr>
+          </a:lstStyle>
+          <a:p>
+            <a:pPr marL="0" indent="0">
+              <a:buNone/>
+            </a:pPr>
+            <a:endParaRPr lang="en-US" sz="1200" dirty="0"/>
+          </a:p>
+        </p:txBody>
+      </p:sp>
+      <p:sp>
+        <p:nvSpPr>
+          <p:cNvPr id="6" name="TextBox 5"/>
           <p:cNvSpPr txBox="1"/>
           <p:nvPr/>
         </p:nvSpPr>
         <p:spPr>
           <a:xfrm>
-            <a:off x="3038621" y="422031"/>
-            <a:ext cx="4559261" cy="769441"/>
+            <a:off x="4473157" y="187350"/>
+            <a:ext cx="2879314" cy="769441"/>
           </a:xfrm>
           <a:prstGeom prst="rect">
             <a:avLst/>
@@ -8416,29 +6183,105 @@
           <a:p>
             <a:r>
               <a:rPr lang="en-US" sz="4400" b="1" dirty="0" smtClean="0"/>
-              <a:t>BRIEF OVERVIEW</a:t>
+              <a:t>ABSTRACT</a:t>
             </a:r>
             <a:endParaRPr lang="en-US" sz="4400" b="1" dirty="0"/>
+          </a:p>
+        </p:txBody>
+      </p:sp>
+      <p:sp>
+        <p:nvSpPr>
+          <p:cNvPr id="7" name="Rectangle 6"/>
+          <p:cNvSpPr/>
+          <p:nvPr/>
+        </p:nvSpPr>
+        <p:spPr>
+          <a:xfrm>
+            <a:off x="618186" y="773978"/>
+            <a:ext cx="10805373" cy="6098272"/>
+          </a:xfrm>
+          <a:prstGeom prst="rect">
+            <a:avLst/>
+          </a:prstGeom>
+        </p:spPr>
+        <p:txBody>
+          <a:bodyPr wrap="square">
+            <a:spAutoFit/>
+          </a:bodyPr>
+          <a:lstStyle/>
+          <a:p>
+            <a:pPr algn="just">
+              <a:lnSpc>
+                <a:spcPct val="200000"/>
+              </a:lnSpc>
+            </a:pPr>
+            <a:r>
+              <a:rPr lang="en-US" dirty="0">
+                <a:latin typeface="Arial Rounded MT Bold" panose="020F0704030504030204" pitchFamily="34" charset="0"/>
+                <a:ea typeface="Calibri" panose="020F0502020204030204" pitchFamily="34" charset="0"/>
+                <a:cs typeface="Times New Roman" panose="02020603050405020304" pitchFamily="18" charset="0"/>
+              </a:rPr>
+              <a:t>Patient record is as useful as the patient. It is a well-documented data or information about a patient in any health care system. The record gives clue of what may be wrong with the patient even after a long period of time. Because of its importance, almost every health care system has a way of keeping their patients’ records. Some traditional while some electronic means. </a:t>
+            </a:r>
+            <a:endParaRPr lang="en-US" sz="1600" dirty="0">
+              <a:latin typeface="Arial Rounded MT Bold" panose="020F0704030504030204" pitchFamily="34" charset="0"/>
+              <a:ea typeface="Calibri" panose="020F0502020204030204" pitchFamily="34" charset="0"/>
+              <a:cs typeface="Times New Roman" panose="02020603050405020304" pitchFamily="18" charset="0"/>
+            </a:endParaRPr>
+          </a:p>
+          <a:p>
+            <a:pPr algn="just">
+              <a:lnSpc>
+                <a:spcPct val="200000"/>
+              </a:lnSpc>
+            </a:pPr>
+            <a:r>
+              <a:rPr lang="en-US" dirty="0">
+                <a:latin typeface="Arial Rounded MT Bold" panose="020F0704030504030204" pitchFamily="34" charset="0"/>
+                <a:ea typeface="Calibri" panose="020F0502020204030204" pitchFamily="34" charset="0"/>
+                <a:cs typeface="Times New Roman" panose="02020603050405020304" pitchFamily="18" charset="0"/>
+              </a:rPr>
+              <a:t>This research delves deep into reasons why the electronic implementation of this record keeping is very vital in our present day. Technology is eating through all walks of life and the health sector has not been left behind. </a:t>
+            </a:r>
+            <a:endParaRPr lang="en-US" sz="1600" dirty="0">
+              <a:latin typeface="Arial Rounded MT Bold" panose="020F0704030504030204" pitchFamily="34" charset="0"/>
+              <a:ea typeface="Calibri" panose="020F0502020204030204" pitchFamily="34" charset="0"/>
+              <a:cs typeface="Times New Roman" panose="02020603050405020304" pitchFamily="18" charset="0"/>
+            </a:endParaRPr>
+          </a:p>
+          <a:p>
+            <a:pPr algn="just">
+              <a:lnSpc>
+                <a:spcPct val="200000"/>
+              </a:lnSpc>
+            </a:pPr>
+            <a:r>
+              <a:rPr lang="en-US" dirty="0">
+                <a:latin typeface="Arial Rounded MT Bold" panose="020F0704030504030204" pitchFamily="34" charset="0"/>
+                <a:ea typeface="Calibri" panose="020F0502020204030204" pitchFamily="34" charset="0"/>
+                <a:cs typeface="Times New Roman" panose="02020603050405020304" pitchFamily="18" charset="0"/>
+              </a:rPr>
+              <a:t>Since the research was carried out using Bingham University as a case study, I carefully observed that students usually go to the clinic not even knowing their clinic card numbers. I took the pain upon me to design an electronic system that will keep track of the patient details hence the student needs only to know his name or matriculation number to be attended to.</a:t>
+            </a:r>
+            <a:endParaRPr lang="en-US" sz="1600" dirty="0">
+              <a:effectLst/>
+              <a:latin typeface="Arial Rounded MT Bold" panose="020F0704030504030204" pitchFamily="34" charset="0"/>
+              <a:ea typeface="Calibri" panose="020F0502020204030204" pitchFamily="34" charset="0"/>
+              <a:cs typeface="Times New Roman" panose="02020603050405020304" pitchFamily="18" charset="0"/>
+            </a:endParaRPr>
           </a:p>
         </p:txBody>
       </p:sp>
     </p:spTree>
     <p:extLst>
       <p:ext uri="{BB962C8B-B14F-4D97-AF65-F5344CB8AC3E}">
-        <p14:creationId xmlns:p14="http://schemas.microsoft.com/office/powerpoint/2010/main" val="289244203"/>
+        <p14:creationId xmlns:p14="http://schemas.microsoft.com/office/powerpoint/2010/main" val="2246188346"/>
       </p:ext>
     </p:extLst>
   </p:cSld>
   <p:clrMapOvr>
     <a:masterClrMapping/>
   </p:clrMapOvr>
-  <p:timing>
-    <p:tnLst>
-      <p:par>
-        <p:cTn id="1" dur="indefinite" restart="never" nodeType="tmRoot"/>
-      </p:par>
-    </p:tnLst>
-  </p:timing>
 </p:sld>
 </file>
 
@@ -8586,7 +6429,7 @@
         </p:nvSpPr>
         <p:spPr>
           <a:xfrm>
-            <a:off x="684212" y="685800"/>
+            <a:off x="684212" y="305973"/>
             <a:ext cx="8001000" cy="917918"/>
           </a:xfrm>
         </p:spPr>
@@ -8596,7 +6439,7 @@
           <a:p>
             <a:r>
               <a:rPr lang="en-US" dirty="0" smtClean="0"/>
-              <a:t>Why I’m doing this</a:t>
+              <a:t>What the system will do</a:t>
             </a:r>
             <a:endParaRPr lang="en-US" dirty="0"/>
           </a:p>
@@ -8614,8 +6457,8 @@
         </p:nvSpPr>
         <p:spPr>
           <a:xfrm>
-            <a:off x="684212" y="1800665"/>
-            <a:ext cx="10218250" cy="3990535"/>
+            <a:off x="782685" y="1223891"/>
+            <a:ext cx="10865363" cy="5219112"/>
           </a:xfrm>
         </p:spPr>
         <p:txBody>
@@ -8626,48 +6469,80 @@
           <a:p>
             <a:pPr marL="342900" indent="-342900">
               <a:buFont typeface="Wingdings" panose="05000000000000000000" pitchFamily="2" charset="2"/>
-              <a:buChar char="v"/>
+              <a:buChar char="ü"/>
             </a:pPr>
             <a:r>
-              <a:rPr lang="en-US" sz="3600" dirty="0"/>
-              <a:t>Lives of </a:t>
-            </a:r>
-            <a:r>
-              <a:rPr lang="en-US" sz="3600" dirty="0" smtClean="0"/>
-              <a:t>staff and students are </a:t>
-            </a:r>
-            <a:r>
-              <a:rPr lang="en-US" sz="3600" dirty="0"/>
-              <a:t>at stake</a:t>
+              <a:rPr lang="en-US" sz="2800" dirty="0" smtClean="0"/>
+              <a:t>The system can register patients</a:t>
             </a:r>
           </a:p>
           <a:p>
             <a:pPr marL="342900" indent="-342900">
               <a:buFont typeface="Wingdings" panose="05000000000000000000" pitchFamily="2" charset="2"/>
-              <a:buChar char="v"/>
+              <a:buChar char="ü"/>
             </a:pPr>
             <a:r>
-              <a:rPr lang="en-US" sz="3600" dirty="0" smtClean="0"/>
-              <a:t>Technology is substituting almost every manual day-to-day tasks, why not follow the trend</a:t>
+              <a:rPr lang="en-US" sz="2800" dirty="0" smtClean="0"/>
+              <a:t>The system can display registered patients</a:t>
             </a:r>
           </a:p>
           <a:p>
             <a:pPr marL="342900" indent="-342900">
               <a:buFont typeface="Wingdings" panose="05000000000000000000" pitchFamily="2" charset="2"/>
-              <a:buChar char="v"/>
+              <a:buChar char="ü"/>
             </a:pPr>
             <a:r>
-              <a:rPr lang="en-US" sz="3600" dirty="0" smtClean="0"/>
-              <a:t>Passion for coding</a:t>
-            </a:r>
-            <a:endParaRPr lang="en-US" sz="3600" dirty="0"/>
+              <a:rPr lang="en-US" sz="2800" dirty="0" smtClean="0"/>
+              <a:t>The system can update their records</a:t>
+            </a:r>
+          </a:p>
+          <a:p>
+            <a:pPr marL="342900" indent="-342900">
+              <a:buFont typeface="Wingdings" panose="05000000000000000000" pitchFamily="2" charset="2"/>
+              <a:buChar char="ü"/>
+            </a:pPr>
+            <a:r>
+              <a:rPr lang="en-US" sz="2800" dirty="0" smtClean="0"/>
+              <a:t>The system keeps track of new birth and mortality rate</a:t>
+            </a:r>
+          </a:p>
+          <a:p>
+            <a:pPr marL="342900" indent="-342900">
+              <a:buFont typeface="Wingdings" panose="05000000000000000000" pitchFamily="2" charset="2"/>
+              <a:buChar char="ü"/>
+            </a:pPr>
+            <a:r>
+              <a:rPr lang="en-US" sz="2800" dirty="0" smtClean="0"/>
+              <a:t>It can carry out a dynamic search for all records</a:t>
+            </a:r>
+          </a:p>
+          <a:p>
+            <a:pPr marL="342900" indent="-342900">
+              <a:buFont typeface="Wingdings" panose="05000000000000000000" pitchFamily="2" charset="2"/>
+              <a:buChar char="ü"/>
+            </a:pPr>
+            <a:r>
+              <a:rPr lang="en-US" sz="2800" dirty="0" smtClean="0"/>
+              <a:t>It can keep track of admitted and discharged patients</a:t>
+            </a:r>
+          </a:p>
+          <a:p>
+            <a:pPr marL="342900" indent="-342900">
+              <a:buFont typeface="Wingdings" panose="05000000000000000000" pitchFamily="2" charset="2"/>
+              <a:buChar char="ü"/>
+            </a:pPr>
+            <a:r>
+              <a:rPr lang="en-US" sz="2800" dirty="0" smtClean="0"/>
+              <a:t>It can delete patients record</a:t>
+            </a:r>
+            <a:endParaRPr lang="en-US" sz="2800" dirty="0"/>
           </a:p>
         </p:txBody>
       </p:sp>
     </p:spTree>
     <p:extLst>
       <p:ext uri="{BB962C8B-B14F-4D97-AF65-F5344CB8AC3E}">
-        <p14:creationId xmlns:p14="http://schemas.microsoft.com/office/powerpoint/2010/main" val="3167858202"/>
+        <p14:creationId xmlns:p14="http://schemas.microsoft.com/office/powerpoint/2010/main" val="1458509463"/>
       </p:ext>
     </p:extLst>
   </p:cSld>
@@ -8713,8 +6588,8 @@
         </p:nvSpPr>
         <p:spPr>
           <a:xfrm>
-            <a:off x="684212" y="305973"/>
-            <a:ext cx="8001000" cy="917918"/>
+            <a:off x="684212" y="685800"/>
+            <a:ext cx="8001000" cy="931986"/>
           </a:xfrm>
         </p:spPr>
         <p:txBody>
@@ -8723,7 +6598,7 @@
           <a:p>
             <a:r>
               <a:rPr lang="en-US" dirty="0" smtClean="0"/>
-              <a:t>What the system will do</a:t>
+              <a:t>LITERATURE REVIEW</a:t>
             </a:r>
             <a:endParaRPr lang="en-US" dirty="0"/>
           </a:p>
@@ -8741,102 +6616,44 @@
         </p:nvSpPr>
         <p:spPr>
           <a:xfrm>
-            <a:off x="782685" y="1223891"/>
-            <a:ext cx="10865363" cy="5219112"/>
+            <a:off x="684212" y="1758463"/>
+            <a:ext cx="8001000" cy="3938952"/>
           </a:xfrm>
         </p:spPr>
         <p:txBody>
           <a:bodyPr>
-            <a:noAutofit/>
+            <a:normAutofit/>
           </a:bodyPr>
           <a:lstStyle/>
           <a:p>
-            <a:pPr marL="342900" indent="-342900">
-              <a:buFont typeface="Wingdings" panose="05000000000000000000" pitchFamily="2" charset="2"/>
-              <a:buChar char="ü"/>
-            </a:pPr>
-            <a:r>
-              <a:rPr lang="en-US" sz="2800" dirty="0" smtClean="0"/>
-              <a:t>The system can register all patients</a:t>
-            </a:r>
-          </a:p>
-          <a:p>
-            <a:pPr marL="342900" indent="-342900">
-              <a:buFont typeface="Wingdings" panose="05000000000000000000" pitchFamily="2" charset="2"/>
-              <a:buChar char="ü"/>
-            </a:pPr>
-            <a:r>
-              <a:rPr lang="en-US" sz="2800" dirty="0" smtClean="0"/>
-              <a:t>The system can show registered patients</a:t>
-            </a:r>
-          </a:p>
-          <a:p>
-            <a:pPr marL="342900" indent="-342900">
-              <a:buFont typeface="Wingdings" panose="05000000000000000000" pitchFamily="2" charset="2"/>
-              <a:buChar char="ü"/>
-            </a:pPr>
-            <a:r>
-              <a:rPr lang="en-US" sz="2800" dirty="0" smtClean="0"/>
-              <a:t>The system can update their records</a:t>
-            </a:r>
-          </a:p>
-          <a:p>
-            <a:pPr marL="342900" indent="-342900">
-              <a:buFont typeface="Wingdings" panose="05000000000000000000" pitchFamily="2" charset="2"/>
-              <a:buChar char="ü"/>
-            </a:pPr>
-            <a:r>
-              <a:rPr lang="en-US" sz="2800" dirty="0" smtClean="0"/>
-              <a:t>The system can keep track of birth rate and death rate</a:t>
-            </a:r>
-          </a:p>
-          <a:p>
-            <a:pPr marL="342900" indent="-342900">
-              <a:buFont typeface="Wingdings" panose="05000000000000000000" pitchFamily="2" charset="2"/>
-              <a:buChar char="ü"/>
-            </a:pPr>
-            <a:r>
-              <a:rPr lang="en-US" sz="2800" dirty="0" smtClean="0"/>
-              <a:t>It can carry out a dynamic search for all records</a:t>
-            </a:r>
-          </a:p>
-          <a:p>
-            <a:pPr marL="342900" indent="-342900">
-              <a:buFont typeface="Wingdings" panose="05000000000000000000" pitchFamily="2" charset="2"/>
-              <a:buChar char="ü"/>
-            </a:pPr>
-            <a:r>
-              <a:rPr lang="en-US" sz="2800" dirty="0" smtClean="0"/>
-              <a:t>It can keep track of admitted and discharged patients</a:t>
-            </a:r>
-          </a:p>
-          <a:p>
-            <a:pPr marL="342900" indent="-342900">
-              <a:buFont typeface="Wingdings" panose="05000000000000000000" pitchFamily="2" charset="2"/>
-              <a:buChar char="ü"/>
-            </a:pPr>
-            <a:r>
-              <a:rPr lang="en-US" sz="2800" dirty="0" smtClean="0"/>
-              <a:t>It can enable staff to have a real-time chat</a:t>
-            </a:r>
-          </a:p>
-          <a:p>
-            <a:pPr marL="342900" indent="-342900">
-              <a:buFont typeface="Wingdings" panose="05000000000000000000" pitchFamily="2" charset="2"/>
-              <a:buChar char="ü"/>
-            </a:pPr>
-            <a:r>
-              <a:rPr lang="en-US" sz="2800" dirty="0" smtClean="0"/>
-              <a:t>It can delete patients record</a:t>
-            </a:r>
-            <a:endParaRPr lang="en-US" sz="2800" dirty="0"/>
+            <a:r>
+              <a:rPr lang="en-US" sz="3600" dirty="0" smtClean="0"/>
+              <a:t>	According to </a:t>
+            </a:r>
+            <a:r>
+              <a:rPr lang="en-US" sz="3600" b="1" dirty="0"/>
+              <a:t>National Academy Press, 15 Jan </a:t>
+            </a:r>
+            <a:r>
+              <a:rPr lang="en-US" sz="3600" b="1" dirty="0" smtClean="0"/>
+              <a:t>2014, </a:t>
+            </a:r>
+            <a:r>
+              <a:rPr lang="en-US" sz="3600" dirty="0"/>
+              <a:t>Computer-based patient records, as defined by the committee, could positively affect the quality of patient care in at least four </a:t>
+            </a:r>
+            <a:r>
+              <a:rPr lang="en-US" sz="3600" dirty="0" smtClean="0"/>
+              <a:t>ways…</a:t>
+            </a:r>
+            <a:endParaRPr lang="en-US" sz="3600" dirty="0"/>
           </a:p>
         </p:txBody>
       </p:sp>
     </p:spTree>
     <p:extLst>
       <p:ext uri="{BB962C8B-B14F-4D97-AF65-F5344CB8AC3E}">
-        <p14:creationId xmlns:p14="http://schemas.microsoft.com/office/powerpoint/2010/main" val="1458509463"/>
+        <p14:creationId xmlns:p14="http://schemas.microsoft.com/office/powerpoint/2010/main" val="3543145235"/>
       </p:ext>
     </p:extLst>
   </p:cSld>
@@ -8872,7 +6689,123 @@
       </p:grpSpPr>
       <p:sp>
         <p:nvSpPr>
-          <p:cNvPr id="2" name="Title 1"/>
+          <p:cNvPr id="3" name="Subtitle 2"/>
+          <p:cNvSpPr>
+            <a:spLocks noGrp="1"/>
+          </p:cNvSpPr>
+          <p:nvPr>
+            <p:ph type="subTitle" idx="1"/>
+          </p:nvPr>
+        </p:nvSpPr>
+        <p:spPr>
+          <a:xfrm>
+            <a:off x="684211" y="1758462"/>
+            <a:ext cx="10527739" cy="4473525"/>
+          </a:xfrm>
+        </p:spPr>
+        <p:txBody>
+          <a:bodyPr>
+            <a:noAutofit/>
+          </a:bodyPr>
+          <a:lstStyle/>
+          <a:p>
+            <a:pPr marL="342900" indent="-342900">
+              <a:buFont typeface="Wingdings" panose="05000000000000000000" pitchFamily="2" charset="2"/>
+              <a:buChar char="ü"/>
+            </a:pPr>
+            <a:r>
+              <a:rPr lang="en-US" sz="2800" dirty="0"/>
+              <a:t>I</a:t>
+            </a:r>
+            <a:r>
+              <a:rPr lang="en-US" sz="2800" dirty="0" smtClean="0"/>
+              <a:t>mproving </a:t>
+            </a:r>
+            <a:r>
+              <a:rPr lang="en-US" sz="2800" dirty="0"/>
+              <a:t>both the quality of and access to patient care </a:t>
+            </a:r>
+            <a:r>
+              <a:rPr lang="en-US" sz="2800" dirty="0" smtClean="0"/>
+              <a:t>data</a:t>
+            </a:r>
+          </a:p>
+          <a:p>
+            <a:pPr marL="342900" indent="-342900">
+              <a:buFont typeface="Wingdings" panose="05000000000000000000" pitchFamily="2" charset="2"/>
+              <a:buChar char="ü"/>
+            </a:pPr>
+            <a:r>
+              <a:rPr lang="en-US" sz="2800" dirty="0"/>
+              <a:t>A</a:t>
+            </a:r>
+            <a:r>
+              <a:rPr lang="en-US" sz="2800" dirty="0" smtClean="0"/>
+              <a:t>llow </a:t>
+            </a:r>
+            <a:r>
+              <a:rPr lang="en-US" sz="2800" dirty="0" smtClean="0"/>
+              <a:t>healthcare providers </a:t>
+            </a:r>
+            <a:r>
+              <a:rPr lang="en-US" sz="2800" dirty="0"/>
+              <a:t>to integrate information about patients over time and between settings of </a:t>
+            </a:r>
+            <a:r>
+              <a:rPr lang="en-US" sz="2800" dirty="0" smtClean="0"/>
+              <a:t>care</a:t>
+            </a:r>
+          </a:p>
+          <a:p>
+            <a:pPr marL="342900" indent="-342900">
+              <a:buFont typeface="Wingdings" panose="05000000000000000000" pitchFamily="2" charset="2"/>
+              <a:buChar char="ü"/>
+            </a:pPr>
+            <a:r>
+              <a:rPr lang="en-US" sz="2800" dirty="0"/>
+              <a:t>T</a:t>
+            </a:r>
+            <a:r>
+              <a:rPr lang="en-US" sz="2800" dirty="0" smtClean="0"/>
+              <a:t>hey </a:t>
+            </a:r>
+            <a:r>
+              <a:rPr lang="en-US" sz="2800" dirty="0"/>
+              <a:t>make medical knowledge more accessible for use by practitioners when needed</a:t>
+            </a:r>
+            <a:r>
+              <a:rPr lang="en-US" sz="2800" dirty="0" smtClean="0"/>
+              <a:t>.</a:t>
+            </a:r>
+          </a:p>
+          <a:p>
+            <a:pPr marL="342900" indent="-342900">
+              <a:buFont typeface="Wingdings" panose="05000000000000000000" pitchFamily="2" charset="2"/>
+              <a:buChar char="ü"/>
+            </a:pPr>
+            <a:r>
+              <a:rPr lang="en-US" sz="2800" dirty="0"/>
+              <a:t>T</a:t>
+            </a:r>
+            <a:r>
+              <a:rPr lang="en-US" sz="2800" dirty="0" smtClean="0"/>
+              <a:t>hey </a:t>
+            </a:r>
+            <a:r>
+              <a:rPr lang="en-US" sz="2800" dirty="0"/>
+              <a:t>provide decision support to practitioners</a:t>
+            </a:r>
+            <a:r>
+              <a:rPr lang="en-US" sz="2800" dirty="0" smtClean="0"/>
+              <a:t>.</a:t>
+            </a:r>
+            <a:endParaRPr lang="en-US" sz="2800" b="1" dirty="0"/>
+          </a:p>
+        </p:txBody>
+      </p:sp>
+      <p:sp>
+        <p:nvSpPr>
+          <p:cNvPr id="4" name="Title 1"/>
           <p:cNvSpPr>
             <a:spLocks noGrp="1"/>
           </p:cNvSpPr>
@@ -8898,56 +6831,10 @@
           </a:p>
         </p:txBody>
       </p:sp>
-      <p:sp>
-        <p:nvSpPr>
-          <p:cNvPr id="3" name="Subtitle 2"/>
-          <p:cNvSpPr>
-            <a:spLocks noGrp="1"/>
-          </p:cNvSpPr>
-          <p:nvPr>
-            <p:ph type="subTitle" idx="1"/>
-          </p:nvPr>
-        </p:nvSpPr>
-        <p:spPr>
-          <a:xfrm>
-            <a:off x="684212" y="1758463"/>
-            <a:ext cx="8001000" cy="3938952"/>
-          </a:xfrm>
-        </p:spPr>
-        <p:txBody>
-          <a:bodyPr>
-            <a:normAutofit/>
-          </a:bodyPr>
-          <a:lstStyle/>
-          <a:p>
-            <a:r>
-              <a:rPr lang="en-US" sz="3600" dirty="0" smtClean="0"/>
-              <a:t>	According to </a:t>
-            </a:r>
-            <a:r>
-              <a:rPr lang="en-US" sz="3600" b="1" dirty="0"/>
-              <a:t>National Academy Press, 15 Jan </a:t>
-            </a:r>
-            <a:r>
-              <a:rPr lang="en-US" sz="3600" b="1" dirty="0" smtClean="0"/>
-              <a:t>1997, </a:t>
-            </a:r>
-            <a:r>
-              <a:rPr lang="en-US" sz="3600" dirty="0"/>
-              <a:t>Computer-based patient records, as defined by the committee, could positively affect the quality of patient care in at least four </a:t>
-            </a:r>
-            <a:r>
-              <a:rPr lang="en-US" sz="3600" dirty="0" smtClean="0"/>
-              <a:t>ways…</a:t>
-            </a:r>
-            <a:endParaRPr lang="en-US" sz="3600" dirty="0"/>
-          </a:p>
-        </p:txBody>
-      </p:sp>
     </p:spTree>
     <p:extLst>
       <p:ext uri="{BB962C8B-B14F-4D97-AF65-F5344CB8AC3E}">
-        <p14:creationId xmlns:p14="http://schemas.microsoft.com/office/powerpoint/2010/main" val="3543145235"/>
+        <p14:creationId xmlns:p14="http://schemas.microsoft.com/office/powerpoint/2010/main" val="1477937415"/>
       </p:ext>
     </p:extLst>
   </p:cSld>
@@ -8983,6 +6870,36 @@
       </p:grpSpPr>
       <p:sp>
         <p:nvSpPr>
+          <p:cNvPr id="2" name="Title 1"/>
+          <p:cNvSpPr>
+            <a:spLocks noGrp="1"/>
+          </p:cNvSpPr>
+          <p:nvPr>
+            <p:ph type="ctrTitle"/>
+          </p:nvPr>
+        </p:nvSpPr>
+        <p:spPr>
+          <a:xfrm>
+            <a:off x="1049972" y="0"/>
+            <a:ext cx="8001000" cy="1195754"/>
+          </a:xfrm>
+        </p:spPr>
+        <p:txBody>
+          <a:bodyPr>
+            <a:normAutofit fontScale="90000"/>
+          </a:bodyPr>
+          <a:lstStyle/>
+          <a:p>
+            <a:r>
+              <a:rPr lang="en-US" dirty="0" smtClean="0"/>
+              <a:t>RESEARCH METHODOLOGY</a:t>
+            </a:r>
+            <a:endParaRPr lang="en-US" dirty="0"/>
+          </a:p>
+        </p:txBody>
+      </p:sp>
+      <p:sp>
+        <p:nvSpPr>
           <p:cNvPr id="3" name="Subtitle 2"/>
           <p:cNvSpPr>
             <a:spLocks noGrp="1"/>
@@ -8993,138 +6910,39 @@
         </p:nvSpPr>
         <p:spPr>
           <a:xfrm>
-            <a:off x="684211" y="1758462"/>
-            <a:ext cx="10527739" cy="4473525"/>
+            <a:off x="2271880" y="3088949"/>
+            <a:ext cx="6400800" cy="1111346"/>
           </a:xfrm>
         </p:spPr>
         <p:txBody>
           <a:bodyPr>
-            <a:noAutofit/>
+            <a:normAutofit/>
           </a:bodyPr>
           <a:lstStyle/>
           <a:p>
-            <a:pPr marL="342900" indent="-342900">
-              <a:buFont typeface="Wingdings" panose="05000000000000000000" pitchFamily="2" charset="2"/>
-              <a:buChar char="ü"/>
-            </a:pPr>
-            <a:r>
-              <a:rPr lang="en-US" sz="2800" dirty="0"/>
-              <a:t>I</a:t>
-            </a:r>
-            <a:r>
-              <a:rPr lang="en-US" sz="2800" dirty="0" smtClean="0"/>
-              <a:t>mproving </a:t>
-            </a:r>
-            <a:r>
-              <a:rPr lang="en-US" sz="2800" dirty="0"/>
-              <a:t>both the quality of and access to patient care </a:t>
-            </a:r>
-            <a:r>
-              <a:rPr lang="en-US" sz="2800" dirty="0" smtClean="0"/>
-              <a:t>data</a:t>
-            </a:r>
-          </a:p>
-          <a:p>
-            <a:pPr marL="342900" indent="-342900">
-              <a:buFont typeface="Wingdings" panose="05000000000000000000" pitchFamily="2" charset="2"/>
-              <a:buChar char="ü"/>
-            </a:pPr>
-            <a:r>
-              <a:rPr lang="en-US" sz="2800" dirty="0"/>
-              <a:t>A</a:t>
-            </a:r>
-            <a:r>
-              <a:rPr lang="en-US" sz="2800" dirty="0" smtClean="0"/>
-              <a:t>llow </a:t>
-            </a:r>
-            <a:r>
-              <a:rPr lang="en-US" sz="2800" dirty="0"/>
-              <a:t>providers to integrate information about patients over time and between settings of </a:t>
-            </a:r>
-            <a:r>
-              <a:rPr lang="en-US" sz="2800" dirty="0" smtClean="0"/>
-              <a:t>care</a:t>
-            </a:r>
-          </a:p>
-          <a:p>
-            <a:pPr marL="342900" indent="-342900">
-              <a:buFont typeface="Wingdings" panose="05000000000000000000" pitchFamily="2" charset="2"/>
-              <a:buChar char="ü"/>
-            </a:pPr>
-            <a:r>
-              <a:rPr lang="en-US" sz="2800" dirty="0"/>
-              <a:t>T</a:t>
-            </a:r>
-            <a:r>
-              <a:rPr lang="en-US" sz="2800" dirty="0" smtClean="0"/>
-              <a:t>hey </a:t>
-            </a:r>
-            <a:r>
-              <a:rPr lang="en-US" sz="2800" dirty="0"/>
-              <a:t>make medical knowledge more accessible for use by practitioners when needed</a:t>
-            </a:r>
-            <a:r>
-              <a:rPr lang="en-US" sz="2800" dirty="0" smtClean="0"/>
-              <a:t>.</a:t>
-            </a:r>
-          </a:p>
-          <a:p>
-            <a:pPr marL="342900" indent="-342900">
-              <a:buFont typeface="Wingdings" panose="05000000000000000000" pitchFamily="2" charset="2"/>
-              <a:buChar char="ü"/>
-            </a:pPr>
-            <a:r>
-              <a:rPr lang="en-US" sz="2800" dirty="0"/>
-              <a:t>T</a:t>
-            </a:r>
-            <a:r>
-              <a:rPr lang="en-US" sz="2800" dirty="0" smtClean="0"/>
-              <a:t>hey </a:t>
-            </a:r>
-            <a:r>
-              <a:rPr lang="en-US" sz="2800" dirty="0"/>
-              <a:t>provide decision support to practitioners</a:t>
-            </a:r>
-            <a:r>
-              <a:rPr lang="en-US" sz="2800" dirty="0" smtClean="0"/>
-              <a:t>.</a:t>
-            </a:r>
-            <a:endParaRPr lang="en-US" sz="2800" b="1" dirty="0"/>
-          </a:p>
-        </p:txBody>
-      </p:sp>
-      <p:sp>
-        <p:nvSpPr>
-          <p:cNvPr id="4" name="Title 1"/>
-          <p:cNvSpPr>
-            <a:spLocks noGrp="1"/>
-          </p:cNvSpPr>
-          <p:nvPr>
-            <p:ph type="ctrTitle"/>
-          </p:nvPr>
-        </p:nvSpPr>
-        <p:spPr>
-          <a:xfrm>
-            <a:off x="684212" y="685800"/>
-            <a:ext cx="8001000" cy="931986"/>
-          </a:xfrm>
-        </p:spPr>
-        <p:txBody>
-          <a:bodyPr/>
-          <a:lstStyle/>
-          <a:p>
-            <a:r>
-              <a:rPr lang="en-US" dirty="0" smtClean="0"/>
-              <a:t>LITERATURE REVIEW</a:t>
-            </a:r>
-            <a:endParaRPr lang="en-US" dirty="0"/>
+            <a:r>
+              <a:rPr lang="en-US" sz="5400" dirty="0" smtClean="0">
+                <a:solidFill>
+                  <a:srgbClr val="FF0000"/>
+                </a:solidFill>
+              </a:rPr>
+              <a:t>					</a:t>
+            </a:r>
+            <a:r>
+              <a:rPr lang="en-US" sz="4400" dirty="0" smtClean="0">
+                <a:solidFill>
+                  <a:schemeClr val="accent1"/>
+                </a:solidFill>
+              </a:rPr>
+              <a:t>AGILE!!!</a:t>
+            </a:r>
           </a:p>
         </p:txBody>
       </p:sp>
     </p:spTree>
     <p:extLst>
       <p:ext uri="{BB962C8B-B14F-4D97-AF65-F5344CB8AC3E}">
-        <p14:creationId xmlns:p14="http://schemas.microsoft.com/office/powerpoint/2010/main" val="1477937415"/>
+        <p14:creationId xmlns:p14="http://schemas.microsoft.com/office/powerpoint/2010/main" val="2406025875"/>
       </p:ext>
     </p:extLst>
   </p:cSld>
@@ -9170,97 +6988,115 @@
         </p:nvSpPr>
         <p:spPr>
           <a:xfrm>
-            <a:off x="1049972" y="0"/>
-            <a:ext cx="8001000" cy="1195754"/>
+            <a:off x="684212" y="685799"/>
+            <a:ext cx="8001000" cy="946053"/>
+          </a:xfrm>
+        </p:spPr>
+        <p:txBody>
+          <a:bodyPr/>
+          <a:lstStyle/>
+          <a:p>
+            <a:r>
+              <a:rPr lang="en-US" dirty="0" smtClean="0"/>
+              <a:t>WHY AGILE?</a:t>
+            </a:r>
+            <a:endParaRPr lang="en-US" dirty="0"/>
+          </a:p>
+        </p:txBody>
+      </p:sp>
+      <p:sp>
+        <p:nvSpPr>
+          <p:cNvPr id="3" name="Subtitle 2"/>
+          <p:cNvSpPr>
+            <a:spLocks noGrp="1"/>
+          </p:cNvSpPr>
+          <p:nvPr>
+            <p:ph type="subTitle" idx="1"/>
+          </p:nvPr>
+        </p:nvSpPr>
+        <p:spPr>
+          <a:xfrm>
+            <a:off x="684212" y="2039815"/>
+            <a:ext cx="6400800" cy="3751385"/>
           </a:xfrm>
         </p:spPr>
         <p:txBody>
           <a:bodyPr>
-            <a:normAutofit fontScale="90000"/>
+            <a:noAutofit/>
           </a:bodyPr>
           <a:lstStyle/>
           <a:p>
-            <a:r>
-              <a:rPr lang="en-US" dirty="0" smtClean="0"/>
-              <a:t>RESEARCH METHODOLOGY</a:t>
-            </a:r>
-            <a:endParaRPr lang="en-US" dirty="0"/>
-          </a:p>
-        </p:txBody>
-      </p:sp>
-      <p:sp>
-        <p:nvSpPr>
-          <p:cNvPr id="3" name="Subtitle 2"/>
-          <p:cNvSpPr>
-            <a:spLocks noGrp="1"/>
-          </p:cNvSpPr>
-          <p:nvPr>
-            <p:ph type="subTitle" idx="1"/>
-          </p:nvPr>
-        </p:nvSpPr>
-        <p:spPr>
-          <a:xfrm>
-            <a:off x="1640815" y="1195754"/>
-            <a:ext cx="6400800" cy="1111346"/>
-          </a:xfrm>
-        </p:spPr>
-        <p:txBody>
-          <a:bodyPr>
-            <a:normAutofit/>
-          </a:bodyPr>
-          <a:lstStyle/>
-          <a:p>
-            <a:r>
-              <a:rPr lang="en-US" sz="5400" dirty="0" smtClean="0">
-                <a:solidFill>
-                  <a:srgbClr val="FF0000"/>
-                </a:solidFill>
-              </a:rPr>
-              <a:t>					</a:t>
-            </a:r>
-            <a:r>
-              <a:rPr lang="en-US" sz="2800" dirty="0" smtClean="0">
-                <a:solidFill>
-                  <a:schemeClr val="accent1"/>
-                </a:solidFill>
-              </a:rPr>
-              <a:t>AGILE!!!</a:t>
-            </a:r>
-          </a:p>
-        </p:txBody>
-      </p:sp>
-      <p:pic>
-        <p:nvPicPr>
-          <p:cNvPr id="4" name="Picture 3"/>
-          <p:cNvPicPr/>
-          <p:nvPr/>
-        </p:nvPicPr>
-        <p:blipFill>
-          <a:blip r:embed="rId2">
-            <a:extLst>
-              <a:ext uri="{28A0092B-C50C-407E-A947-70E740481C1C}">
-                <a14:useLocalDpi xmlns:a14="http://schemas.microsoft.com/office/drawing/2010/main" val="0"/>
-              </a:ext>
-            </a:extLst>
-          </a:blip>
-          <a:stretch>
-            <a:fillRect/>
-          </a:stretch>
-        </p:blipFill>
-        <p:spPr>
-          <a:xfrm>
-            <a:off x="886264" y="2307100"/>
-            <a:ext cx="9622302" cy="4164038"/>
-          </a:xfrm>
-          <a:prstGeom prst="rect">
-            <a:avLst/>
-          </a:prstGeom>
-        </p:spPr>
-      </p:pic>
+            <a:pPr marL="342900" lvl="0" indent="-342900">
+              <a:buFont typeface="Wingdings" panose="05000000000000000000" pitchFamily="2" charset="2"/>
+              <a:buChar char="q"/>
+            </a:pPr>
+            <a:r>
+              <a:rPr lang="en-US" sz="3200" dirty="0" smtClean="0"/>
+              <a:t>Modularity</a:t>
+            </a:r>
+            <a:endParaRPr lang="en-US" sz="3200" b="1" dirty="0"/>
+          </a:p>
+          <a:p>
+            <a:pPr marL="342900" lvl="0" indent="-342900">
+              <a:buFont typeface="Wingdings" panose="05000000000000000000" pitchFamily="2" charset="2"/>
+              <a:buChar char="q"/>
+            </a:pPr>
+            <a:r>
+              <a:rPr lang="en-US" sz="3200" dirty="0" smtClean="0"/>
+              <a:t>Iterative</a:t>
+            </a:r>
+            <a:endParaRPr lang="en-US" sz="3200" b="1" dirty="0"/>
+          </a:p>
+          <a:p>
+            <a:pPr marL="342900" lvl="0" indent="-342900">
+              <a:buFont typeface="Wingdings" panose="05000000000000000000" pitchFamily="2" charset="2"/>
+              <a:buChar char="q"/>
+            </a:pPr>
+            <a:r>
+              <a:rPr lang="en-US" sz="3200" dirty="0" smtClean="0"/>
+              <a:t>Time-bound</a:t>
+            </a:r>
+            <a:endParaRPr lang="en-US" sz="3200" b="1" dirty="0"/>
+          </a:p>
+          <a:p>
+            <a:pPr marL="342900" lvl="0" indent="-342900">
+              <a:buFont typeface="Wingdings" panose="05000000000000000000" pitchFamily="2" charset="2"/>
+              <a:buChar char="q"/>
+            </a:pPr>
+            <a:r>
+              <a:rPr lang="en-US" sz="3200" dirty="0" smtClean="0"/>
+              <a:t>Incremental</a:t>
+            </a:r>
+            <a:endParaRPr lang="en-US" sz="3200" b="1" dirty="0"/>
+          </a:p>
+          <a:p>
+            <a:pPr marL="342900" lvl="0" indent="-342900">
+              <a:buFont typeface="Wingdings" panose="05000000000000000000" pitchFamily="2" charset="2"/>
+              <a:buChar char="q"/>
+            </a:pPr>
+            <a:r>
+              <a:rPr lang="en-US" sz="3200" dirty="0" smtClean="0"/>
+              <a:t>People-oriented</a:t>
+            </a:r>
+            <a:endParaRPr lang="en-US" sz="3200" b="1" dirty="0"/>
+          </a:p>
+          <a:p>
+            <a:pPr marL="342900" lvl="0" indent="-342900">
+              <a:buFont typeface="Wingdings" panose="05000000000000000000" pitchFamily="2" charset="2"/>
+              <a:buChar char="q"/>
+            </a:pPr>
+            <a:r>
+              <a:rPr lang="en-US" sz="3200" dirty="0" smtClean="0"/>
+              <a:t>Collaborative</a:t>
+            </a:r>
+            <a:endParaRPr lang="en-US" sz="3200" dirty="0"/>
+          </a:p>
+        </p:txBody>
+      </p:sp>
     </p:spTree>
     <p:extLst>
       <p:ext uri="{BB962C8B-B14F-4D97-AF65-F5344CB8AC3E}">
-        <p14:creationId xmlns:p14="http://schemas.microsoft.com/office/powerpoint/2010/main" val="2406025875"/>
+        <p14:creationId xmlns:p14="http://schemas.microsoft.com/office/powerpoint/2010/main" val="3562498832"/>
       </p:ext>
     </p:extLst>
   </p:cSld>
@@ -9306,115 +7142,565 @@
         </p:nvSpPr>
         <p:spPr>
           <a:xfrm>
-            <a:off x="684212" y="685799"/>
-            <a:ext cx="8001000" cy="946053"/>
-          </a:xfrm>
-        </p:spPr>
-        <p:txBody>
-          <a:bodyPr/>
+            <a:off x="1809627" y="323557"/>
+            <a:ext cx="8001000" cy="801858"/>
+          </a:xfrm>
+        </p:spPr>
+        <p:txBody>
+          <a:bodyPr>
+            <a:normAutofit fontScale="90000"/>
+          </a:bodyPr>
           <a:lstStyle/>
           <a:p>
             <a:r>
               <a:rPr lang="en-US" dirty="0" smtClean="0"/>
-              <a:t>WHY AGILE?</a:t>
-            </a:r>
-            <a:endParaRPr lang="en-US" dirty="0"/>
-          </a:p>
-        </p:txBody>
-      </p:sp>
-      <p:sp>
-        <p:nvSpPr>
-          <p:cNvPr id="3" name="Subtitle 2"/>
-          <p:cNvSpPr>
-            <a:spLocks noGrp="1"/>
-          </p:cNvSpPr>
-          <p:nvPr>
-            <p:ph type="subTitle" idx="1"/>
-          </p:nvPr>
+              <a:t>APPLICATION COMPONENTS </a:t>
+            </a:r>
+            <a:endParaRPr lang="en-US" dirty="0"/>
+          </a:p>
+        </p:txBody>
+      </p:sp>
+      <p:sp>
+        <p:nvSpPr>
+          <p:cNvPr id="4" name="Oval 3"/>
+          <p:cNvSpPr/>
+          <p:nvPr/>
         </p:nvSpPr>
         <p:spPr>
           <a:xfrm>
-            <a:off x="684212" y="2039815"/>
-            <a:ext cx="6400800" cy="3751385"/>
-          </a:xfrm>
-        </p:spPr>
-        <p:txBody>
-          <a:bodyPr>
-            <a:noAutofit/>
-          </a:bodyPr>
-          <a:lstStyle/>
-          <a:p>
-            <a:pPr marL="342900" lvl="0" indent="-342900">
-              <a:buFont typeface="Wingdings" panose="05000000000000000000" pitchFamily="2" charset="2"/>
-              <a:buChar char="q"/>
-            </a:pPr>
-            <a:r>
-              <a:rPr lang="en-US" sz="3200" dirty="0" smtClean="0"/>
-              <a:t>Modularity</a:t>
-            </a:r>
-            <a:endParaRPr lang="en-US" sz="3200" b="1" dirty="0"/>
-          </a:p>
-          <a:p>
-            <a:pPr marL="342900" lvl="0" indent="-342900">
-              <a:buFont typeface="Wingdings" panose="05000000000000000000" pitchFamily="2" charset="2"/>
-              <a:buChar char="q"/>
-            </a:pPr>
-            <a:r>
-              <a:rPr lang="en-US" sz="3200" dirty="0" smtClean="0"/>
-              <a:t>Iterative</a:t>
-            </a:r>
-            <a:endParaRPr lang="en-US" sz="3200" b="1" dirty="0"/>
-          </a:p>
-          <a:p>
-            <a:pPr marL="342900" lvl="0" indent="-342900">
-              <a:buFont typeface="Wingdings" panose="05000000000000000000" pitchFamily="2" charset="2"/>
-              <a:buChar char="q"/>
-            </a:pPr>
-            <a:r>
-              <a:rPr lang="en-US" sz="3200" dirty="0" smtClean="0"/>
-              <a:t>Time-bound</a:t>
-            </a:r>
-            <a:endParaRPr lang="en-US" sz="3200" b="1" dirty="0"/>
-          </a:p>
-          <a:p>
-            <a:pPr marL="342900" lvl="0" indent="-342900">
-              <a:buFont typeface="Wingdings" panose="05000000000000000000" pitchFamily="2" charset="2"/>
-              <a:buChar char="q"/>
-            </a:pPr>
-            <a:r>
-              <a:rPr lang="en-US" sz="3200" dirty="0" smtClean="0"/>
-              <a:t>Incremental</a:t>
-            </a:r>
-            <a:endParaRPr lang="en-US" sz="3200" b="1" dirty="0"/>
-          </a:p>
-          <a:p>
-            <a:pPr marL="342900" lvl="0" indent="-342900">
-              <a:buFont typeface="Wingdings" panose="05000000000000000000" pitchFamily="2" charset="2"/>
-              <a:buChar char="q"/>
-            </a:pPr>
-            <a:r>
-              <a:rPr lang="en-US" sz="3200" dirty="0" smtClean="0"/>
-              <a:t>People-oriented</a:t>
-            </a:r>
-            <a:endParaRPr lang="en-US" sz="3200" b="1" dirty="0"/>
-          </a:p>
-          <a:p>
-            <a:pPr marL="342900" lvl="0" indent="-342900">
-              <a:buFont typeface="Wingdings" panose="05000000000000000000" pitchFamily="2" charset="2"/>
-              <a:buChar char="q"/>
-            </a:pPr>
-            <a:r>
-              <a:rPr lang="en-US" sz="3200" dirty="0" smtClean="0"/>
-              <a:t>Collaborative</a:t>
-            </a:r>
-            <a:endParaRPr lang="en-US" sz="3200" dirty="0"/>
-          </a:p>
-        </p:txBody>
-      </p:sp>
+            <a:off x="3981157" y="2954215"/>
+            <a:ext cx="2419644" cy="1111348"/>
+          </a:xfrm>
+          <a:prstGeom prst="ellipse">
+            <a:avLst/>
+          </a:prstGeom>
+        </p:spPr>
+        <p:style>
+          <a:lnRef idx="2">
+            <a:schemeClr val="accent1">
+              <a:shade val="50000"/>
+            </a:schemeClr>
+          </a:lnRef>
+          <a:fillRef idx="1">
+            <a:schemeClr val="accent1"/>
+          </a:fillRef>
+          <a:effectRef idx="0">
+            <a:schemeClr val="accent1"/>
+          </a:effectRef>
+          <a:fontRef idx="minor">
+            <a:schemeClr val="lt1"/>
+          </a:fontRef>
+        </p:style>
+        <p:txBody>
+          <a:bodyPr rtlCol="0" anchor="ctr"/>
+          <a:lstStyle/>
+          <a:p>
+            <a:pPr algn="ctr"/>
+            <a:r>
+              <a:rPr lang="en-US" dirty="0" smtClean="0"/>
+              <a:t>ADMIN</a:t>
+            </a:r>
+            <a:endParaRPr lang="en-US" dirty="0"/>
+          </a:p>
+        </p:txBody>
+      </p:sp>
+      <p:cxnSp>
+        <p:nvCxnSpPr>
+          <p:cNvPr id="6" name="Straight Connector 5"/>
+          <p:cNvCxnSpPr>
+            <a:stCxn id="7" idx="2"/>
+          </p:cNvCxnSpPr>
+          <p:nvPr/>
+        </p:nvCxnSpPr>
+        <p:spPr>
+          <a:xfrm>
+            <a:off x="2060917" y="2539218"/>
+            <a:ext cx="0" cy="970671"/>
+          </a:xfrm>
+          <a:prstGeom prst="line">
+            <a:avLst/>
+          </a:prstGeom>
+          <a:ln>
+            <a:solidFill>
+              <a:schemeClr val="bg1">
+                <a:alpha val="60000"/>
+              </a:schemeClr>
+            </a:solidFill>
+          </a:ln>
+        </p:spPr>
+        <p:style>
+          <a:lnRef idx="1">
+            <a:schemeClr val="accent1"/>
+          </a:lnRef>
+          <a:fillRef idx="0">
+            <a:schemeClr val="accent1"/>
+          </a:fillRef>
+          <a:effectRef idx="0">
+            <a:schemeClr val="accent1"/>
+          </a:effectRef>
+          <a:fontRef idx="minor">
+            <a:schemeClr val="tx1"/>
+          </a:fontRef>
+        </p:style>
+      </p:cxnSp>
+      <p:sp>
+        <p:nvSpPr>
+          <p:cNvPr id="7" name="Rectangle 6"/>
+          <p:cNvSpPr/>
+          <p:nvPr/>
+        </p:nvSpPr>
+        <p:spPr>
+          <a:xfrm>
+            <a:off x="872197" y="1540412"/>
+            <a:ext cx="2377440" cy="998806"/>
+          </a:xfrm>
+          <a:prstGeom prst="rect">
+            <a:avLst/>
+          </a:prstGeom>
+        </p:spPr>
+        <p:style>
+          <a:lnRef idx="2">
+            <a:schemeClr val="accent1">
+              <a:shade val="50000"/>
+            </a:schemeClr>
+          </a:lnRef>
+          <a:fillRef idx="1">
+            <a:schemeClr val="accent1"/>
+          </a:fillRef>
+          <a:effectRef idx="0">
+            <a:schemeClr val="accent1"/>
+          </a:effectRef>
+          <a:fontRef idx="minor">
+            <a:schemeClr val="lt1"/>
+          </a:fontRef>
+        </p:style>
+        <p:txBody>
+          <a:bodyPr rtlCol="0" anchor="ctr"/>
+          <a:lstStyle/>
+          <a:p>
+            <a:pPr algn="ctr"/>
+            <a:r>
+              <a:rPr lang="en-US" dirty="0" smtClean="0"/>
+              <a:t>DASHBOARD</a:t>
+            </a:r>
+            <a:endParaRPr lang="en-US" dirty="0"/>
+          </a:p>
+        </p:txBody>
+      </p:sp>
+      <p:sp>
+        <p:nvSpPr>
+          <p:cNvPr id="8" name="Rectangle 7"/>
+          <p:cNvSpPr/>
+          <p:nvPr/>
+        </p:nvSpPr>
+        <p:spPr>
+          <a:xfrm>
+            <a:off x="848751" y="4717365"/>
+            <a:ext cx="2377440" cy="998806"/>
+          </a:xfrm>
+          <a:prstGeom prst="rect">
+            <a:avLst/>
+          </a:prstGeom>
+        </p:spPr>
+        <p:style>
+          <a:lnRef idx="2">
+            <a:schemeClr val="accent1">
+              <a:shade val="50000"/>
+            </a:schemeClr>
+          </a:lnRef>
+          <a:fillRef idx="1">
+            <a:schemeClr val="accent1"/>
+          </a:fillRef>
+          <a:effectRef idx="0">
+            <a:schemeClr val="accent1"/>
+          </a:effectRef>
+          <a:fontRef idx="minor">
+            <a:schemeClr val="lt1"/>
+          </a:fontRef>
+        </p:style>
+        <p:txBody>
+          <a:bodyPr rtlCol="0" anchor="ctr"/>
+          <a:lstStyle/>
+          <a:p>
+            <a:pPr algn="ctr"/>
+            <a:r>
+              <a:rPr lang="en-US" dirty="0" smtClean="0"/>
+              <a:t>ADMIN TASKS</a:t>
+            </a:r>
+            <a:endParaRPr lang="en-US" dirty="0"/>
+          </a:p>
+        </p:txBody>
+      </p:sp>
+      <p:sp>
+        <p:nvSpPr>
+          <p:cNvPr id="9" name="Rectangle 8"/>
+          <p:cNvSpPr/>
+          <p:nvPr/>
+        </p:nvSpPr>
+        <p:spPr>
+          <a:xfrm>
+            <a:off x="4023361" y="1540412"/>
+            <a:ext cx="2377440" cy="998806"/>
+          </a:xfrm>
+          <a:prstGeom prst="rect">
+            <a:avLst/>
+          </a:prstGeom>
+        </p:spPr>
+        <p:style>
+          <a:lnRef idx="2">
+            <a:schemeClr val="accent1">
+              <a:shade val="50000"/>
+            </a:schemeClr>
+          </a:lnRef>
+          <a:fillRef idx="1">
+            <a:schemeClr val="accent1"/>
+          </a:fillRef>
+          <a:effectRef idx="0">
+            <a:schemeClr val="accent1"/>
+          </a:effectRef>
+          <a:fontRef idx="minor">
+            <a:schemeClr val="lt1"/>
+          </a:fontRef>
+        </p:style>
+        <p:txBody>
+          <a:bodyPr rtlCol="0" anchor="ctr"/>
+          <a:lstStyle/>
+          <a:p>
+            <a:pPr algn="ctr"/>
+            <a:r>
+              <a:rPr lang="en-US" dirty="0" smtClean="0"/>
+              <a:t>REGISTRATION</a:t>
+            </a:r>
+            <a:endParaRPr lang="en-US" dirty="0"/>
+          </a:p>
+        </p:txBody>
+      </p:sp>
+      <p:sp>
+        <p:nvSpPr>
+          <p:cNvPr id="10" name="Rectangle 9"/>
+          <p:cNvSpPr/>
+          <p:nvPr/>
+        </p:nvSpPr>
+        <p:spPr>
+          <a:xfrm>
+            <a:off x="4023361" y="4717365"/>
+            <a:ext cx="2377440" cy="998806"/>
+          </a:xfrm>
+          <a:prstGeom prst="rect">
+            <a:avLst/>
+          </a:prstGeom>
+        </p:spPr>
+        <p:style>
+          <a:lnRef idx="2">
+            <a:schemeClr val="accent1">
+              <a:shade val="50000"/>
+            </a:schemeClr>
+          </a:lnRef>
+          <a:fillRef idx="1">
+            <a:schemeClr val="accent1"/>
+          </a:fillRef>
+          <a:effectRef idx="0">
+            <a:schemeClr val="accent1"/>
+          </a:effectRef>
+          <a:fontRef idx="minor">
+            <a:schemeClr val="lt1"/>
+          </a:fontRef>
+        </p:style>
+        <p:txBody>
+          <a:bodyPr rtlCol="0" anchor="ctr"/>
+          <a:lstStyle/>
+          <a:p>
+            <a:pPr algn="ctr"/>
+            <a:r>
+              <a:rPr lang="en-US" dirty="0" smtClean="0"/>
+              <a:t>PATIENTS</a:t>
+            </a:r>
+            <a:endParaRPr lang="en-US" dirty="0"/>
+          </a:p>
+        </p:txBody>
+      </p:sp>
+      <p:sp>
+        <p:nvSpPr>
+          <p:cNvPr id="11" name="Rectangle 10"/>
+          <p:cNvSpPr/>
+          <p:nvPr/>
+        </p:nvSpPr>
+        <p:spPr>
+          <a:xfrm>
+            <a:off x="7433187" y="1540412"/>
+            <a:ext cx="2377440" cy="998806"/>
+          </a:xfrm>
+          <a:prstGeom prst="rect">
+            <a:avLst/>
+          </a:prstGeom>
+        </p:spPr>
+        <p:style>
+          <a:lnRef idx="2">
+            <a:schemeClr val="accent1">
+              <a:shade val="50000"/>
+            </a:schemeClr>
+          </a:lnRef>
+          <a:fillRef idx="1">
+            <a:schemeClr val="accent1"/>
+          </a:fillRef>
+          <a:effectRef idx="0">
+            <a:schemeClr val="accent1"/>
+          </a:effectRef>
+          <a:fontRef idx="minor">
+            <a:schemeClr val="lt1"/>
+          </a:fontRef>
+        </p:style>
+        <p:txBody>
+          <a:bodyPr rtlCol="0" anchor="ctr"/>
+          <a:lstStyle/>
+          <a:p>
+            <a:pPr algn="ctr"/>
+            <a:r>
+              <a:rPr lang="en-US" dirty="0" smtClean="0"/>
+              <a:t>ADMISSIONS</a:t>
+            </a:r>
+            <a:endParaRPr lang="en-US" dirty="0"/>
+          </a:p>
+        </p:txBody>
+      </p:sp>
+      <p:cxnSp>
+        <p:nvCxnSpPr>
+          <p:cNvPr id="12" name="Straight Connector 11"/>
+          <p:cNvCxnSpPr>
+            <a:endCxn id="4" idx="2"/>
+          </p:cNvCxnSpPr>
+          <p:nvPr/>
+        </p:nvCxnSpPr>
+        <p:spPr>
+          <a:xfrm>
+            <a:off x="2060917" y="3509889"/>
+            <a:ext cx="1920240" cy="0"/>
+          </a:xfrm>
+          <a:prstGeom prst="line">
+            <a:avLst/>
+          </a:prstGeom>
+          <a:ln>
+            <a:solidFill>
+              <a:schemeClr val="bg1">
+                <a:alpha val="60000"/>
+              </a:schemeClr>
+            </a:solidFill>
+          </a:ln>
+        </p:spPr>
+        <p:style>
+          <a:lnRef idx="1">
+            <a:schemeClr val="accent1"/>
+          </a:lnRef>
+          <a:fillRef idx="0">
+            <a:schemeClr val="accent1"/>
+          </a:fillRef>
+          <a:effectRef idx="0">
+            <a:schemeClr val="accent1"/>
+          </a:effectRef>
+          <a:fontRef idx="minor">
+            <a:schemeClr val="tx1"/>
+          </a:fontRef>
+        </p:style>
+      </p:cxnSp>
+      <p:cxnSp>
+        <p:nvCxnSpPr>
+          <p:cNvPr id="21" name="Straight Connector 20"/>
+          <p:cNvCxnSpPr>
+            <a:endCxn id="8" idx="0"/>
+          </p:cNvCxnSpPr>
+          <p:nvPr/>
+        </p:nvCxnSpPr>
+        <p:spPr>
+          <a:xfrm flipH="1">
+            <a:off x="2037471" y="3538024"/>
+            <a:ext cx="23445" cy="1179341"/>
+          </a:xfrm>
+          <a:prstGeom prst="line">
+            <a:avLst/>
+          </a:prstGeom>
+          <a:ln>
+            <a:solidFill>
+              <a:schemeClr val="bg1">
+                <a:alpha val="60000"/>
+              </a:schemeClr>
+            </a:solidFill>
+          </a:ln>
+        </p:spPr>
+        <p:style>
+          <a:lnRef idx="1">
+            <a:schemeClr val="accent1"/>
+          </a:lnRef>
+          <a:fillRef idx="0">
+            <a:schemeClr val="accent1"/>
+          </a:fillRef>
+          <a:effectRef idx="0">
+            <a:schemeClr val="accent1"/>
+          </a:effectRef>
+          <a:fontRef idx="minor">
+            <a:schemeClr val="tx1"/>
+          </a:fontRef>
+        </p:style>
+      </p:cxnSp>
+      <p:cxnSp>
+        <p:nvCxnSpPr>
+          <p:cNvPr id="25" name="Straight Connector 24"/>
+          <p:cNvCxnSpPr/>
+          <p:nvPr/>
+        </p:nvCxnSpPr>
+        <p:spPr>
+          <a:xfrm>
+            <a:off x="6400801" y="3468859"/>
+            <a:ext cx="2221106" cy="28134"/>
+          </a:xfrm>
+          <a:prstGeom prst="line">
+            <a:avLst/>
+          </a:prstGeom>
+          <a:ln>
+            <a:solidFill>
+              <a:schemeClr val="bg1">
+                <a:alpha val="60000"/>
+              </a:schemeClr>
+            </a:solidFill>
+          </a:ln>
+        </p:spPr>
+        <p:style>
+          <a:lnRef idx="1">
+            <a:schemeClr val="accent1"/>
+          </a:lnRef>
+          <a:fillRef idx="0">
+            <a:schemeClr val="accent1"/>
+          </a:fillRef>
+          <a:effectRef idx="0">
+            <a:schemeClr val="accent1"/>
+          </a:effectRef>
+          <a:fontRef idx="minor">
+            <a:schemeClr val="tx1"/>
+          </a:fontRef>
+        </p:style>
+      </p:cxnSp>
+      <p:cxnSp>
+        <p:nvCxnSpPr>
+          <p:cNvPr id="26" name="Straight Connector 25"/>
+          <p:cNvCxnSpPr>
+            <a:endCxn id="11" idx="2"/>
+          </p:cNvCxnSpPr>
+          <p:nvPr/>
+        </p:nvCxnSpPr>
+        <p:spPr>
+          <a:xfrm flipV="1">
+            <a:off x="8621907" y="2539218"/>
+            <a:ext cx="0" cy="998806"/>
+          </a:xfrm>
+          <a:prstGeom prst="line">
+            <a:avLst/>
+          </a:prstGeom>
+          <a:ln>
+            <a:solidFill>
+              <a:schemeClr val="bg1">
+                <a:alpha val="60000"/>
+              </a:schemeClr>
+            </a:solidFill>
+          </a:ln>
+        </p:spPr>
+        <p:style>
+          <a:lnRef idx="1">
+            <a:schemeClr val="accent1"/>
+          </a:lnRef>
+          <a:fillRef idx="0">
+            <a:schemeClr val="accent1"/>
+          </a:fillRef>
+          <a:effectRef idx="0">
+            <a:schemeClr val="accent1"/>
+          </a:effectRef>
+          <a:fontRef idx="minor">
+            <a:schemeClr val="tx1"/>
+          </a:fontRef>
+        </p:style>
+      </p:cxnSp>
+      <p:cxnSp>
+        <p:nvCxnSpPr>
+          <p:cNvPr id="31" name="Straight Connector 30"/>
+          <p:cNvCxnSpPr>
+            <a:stCxn id="4" idx="4"/>
+            <a:endCxn id="10" idx="0"/>
+          </p:cNvCxnSpPr>
+          <p:nvPr/>
+        </p:nvCxnSpPr>
+        <p:spPr>
+          <a:xfrm>
+            <a:off x="5190979" y="4065563"/>
+            <a:ext cx="21102" cy="651802"/>
+          </a:xfrm>
+          <a:prstGeom prst="line">
+            <a:avLst/>
+          </a:prstGeom>
+          <a:ln>
+            <a:solidFill>
+              <a:schemeClr val="bg1">
+                <a:alpha val="60000"/>
+              </a:schemeClr>
+            </a:solidFill>
+          </a:ln>
+        </p:spPr>
+        <p:style>
+          <a:lnRef idx="1">
+            <a:schemeClr val="accent1"/>
+          </a:lnRef>
+          <a:fillRef idx="0">
+            <a:schemeClr val="accent1"/>
+          </a:fillRef>
+          <a:effectRef idx="0">
+            <a:schemeClr val="accent1"/>
+          </a:effectRef>
+          <a:fontRef idx="minor">
+            <a:schemeClr val="tx1"/>
+          </a:fontRef>
+        </p:style>
+      </p:cxnSp>
+      <p:cxnSp>
+        <p:nvCxnSpPr>
+          <p:cNvPr id="34" name="Straight Connector 33"/>
+          <p:cNvCxnSpPr>
+            <a:stCxn id="9" idx="2"/>
+            <a:endCxn id="4" idx="0"/>
+          </p:cNvCxnSpPr>
+          <p:nvPr/>
+        </p:nvCxnSpPr>
+        <p:spPr>
+          <a:xfrm flipH="1">
+            <a:off x="5190979" y="2539218"/>
+            <a:ext cx="21102" cy="414997"/>
+          </a:xfrm>
+          <a:prstGeom prst="line">
+            <a:avLst/>
+          </a:prstGeom>
+          <a:ln>
+            <a:solidFill>
+              <a:schemeClr val="bg1">
+                <a:alpha val="60000"/>
+              </a:schemeClr>
+            </a:solidFill>
+          </a:ln>
+        </p:spPr>
+        <p:style>
+          <a:lnRef idx="1">
+            <a:schemeClr val="accent1"/>
+          </a:lnRef>
+          <a:fillRef idx="0">
+            <a:schemeClr val="accent1"/>
+          </a:fillRef>
+          <a:effectRef idx="0">
+            <a:schemeClr val="accent1"/>
+          </a:effectRef>
+          <a:fontRef idx="minor">
+            <a:schemeClr val="tx1"/>
+          </a:fontRef>
+        </p:style>
+      </p:cxnSp>
     </p:spTree>
     <p:extLst>
       <p:ext uri="{BB962C8B-B14F-4D97-AF65-F5344CB8AC3E}">
-        <p14:creationId xmlns:p14="http://schemas.microsoft.com/office/powerpoint/2010/main" val="3562498832"/>
+        <p14:creationId xmlns:p14="http://schemas.microsoft.com/office/powerpoint/2010/main" val="3056126952"/>
       </p:ext>
     </p:extLst>
   </p:cSld>
